--- a/LectureNotes/GitAndGitPages.pptx
+++ b/LectureNotes/GitAndGitPages.pptx
@@ -5,10 +5,10 @@
     <p:sldMasterId id="2147483648" r:id="rId1"/>
   </p:sldMasterIdLst>
   <p:notesMasterIdLst>
-    <p:notesMasterId r:id="rId31"/>
+    <p:notesMasterId r:id="rId32"/>
   </p:notesMasterIdLst>
   <p:handoutMasterIdLst>
-    <p:handoutMasterId r:id="rId32"/>
+    <p:handoutMasterId r:id="rId33"/>
   </p:handoutMasterIdLst>
   <p:sldIdLst>
     <p:sldId id="256" r:id="rId2"/>
@@ -20,26 +20,27 @@
     <p:sldId id="262" r:id="rId8"/>
     <p:sldId id="263" r:id="rId9"/>
     <p:sldId id="264" r:id="rId10"/>
-    <p:sldId id="265" r:id="rId11"/>
-    <p:sldId id="266" r:id="rId12"/>
-    <p:sldId id="267" r:id="rId13"/>
+    <p:sldId id="286" r:id="rId11"/>
+    <p:sldId id="265" r:id="rId12"/>
+    <p:sldId id="266" r:id="rId13"/>
     <p:sldId id="268" r:id="rId14"/>
     <p:sldId id="269" r:id="rId15"/>
     <p:sldId id="270" r:id="rId16"/>
     <p:sldId id="271" r:id="rId17"/>
     <p:sldId id="272" r:id="rId18"/>
-    <p:sldId id="273" r:id="rId19"/>
-    <p:sldId id="274" r:id="rId20"/>
-    <p:sldId id="275" r:id="rId21"/>
-    <p:sldId id="276" r:id="rId22"/>
-    <p:sldId id="278" r:id="rId23"/>
-    <p:sldId id="279" r:id="rId24"/>
-    <p:sldId id="280" r:id="rId25"/>
-    <p:sldId id="281" r:id="rId26"/>
-    <p:sldId id="282" r:id="rId27"/>
-    <p:sldId id="283" r:id="rId28"/>
-    <p:sldId id="284" r:id="rId29"/>
-    <p:sldId id="285" r:id="rId30"/>
+    <p:sldId id="287" r:id="rId19"/>
+    <p:sldId id="273" r:id="rId20"/>
+    <p:sldId id="274" r:id="rId21"/>
+    <p:sldId id="275" r:id="rId22"/>
+    <p:sldId id="276" r:id="rId23"/>
+    <p:sldId id="278" r:id="rId24"/>
+    <p:sldId id="279" r:id="rId25"/>
+    <p:sldId id="280" r:id="rId26"/>
+    <p:sldId id="281" r:id="rId27"/>
+    <p:sldId id="282" r:id="rId28"/>
+    <p:sldId id="283" r:id="rId29"/>
+    <p:sldId id="284" r:id="rId30"/>
+    <p:sldId id="285" r:id="rId31"/>
   </p:sldIdLst>
   <p:sldSz cx="12192000" cy="6858000"/>
   <p:notesSz cx="6858000" cy="9144000"/>
@@ -254,7 +255,7 @@
           <a:p>
             <a:fld id="{762B48F5-BACC-47D6-A0F7-82FBF9C6BC85}" type="datetimeFigureOut">
               <a:rPr lang="en-US"/>
-              <a:t>8/26/2019</a:t>
+              <a:t>8/28/2019</a:t>
             </a:fld>
             <a:endParaRPr/>
           </a:p>
@@ -419,7 +420,7 @@
           <a:p>
             <a:fld id="{0CB1CD00-5424-4675-AB18-2C419B060449}" type="datetimeFigureOut">
               <a:rPr lang="en-US"/>
-              <a:t>8/26/2019</a:t>
+              <a:t>8/28/2019</a:t>
             </a:fld>
             <a:endParaRPr/>
           </a:p>
@@ -966,7 +967,7 @@
             <a:pPr lvl="0"/>
             <a:fld id="{D8BBD443-A4FE-489A-89C0-9BD730F4A66A}" type="slidenum">
               <a:rPr lang="en-US" smtClean="0"/>
-              <a:t>23</a:t>
+              <a:t>24</a:t>
             </a:fld>
             <a:endParaRPr lang="en-US"/>
           </a:p>
@@ -1869,7 +1870,7 @@
           <a:p>
             <a:fld id="{37CC0096-1860-4642-9CD2-0079EA5E7CD1}" type="datetimeFigureOut">
               <a:rPr lang="en-US" smtClean="0"/>
-              <a:t>8/26/2019</a:t>
+              <a:t>8/28/2019</a:t>
             </a:fld>
             <a:endParaRPr lang="en-US"/>
           </a:p>
@@ -2049,7 +2050,7 @@
           <a:p>
             <a:fld id="{37CC0096-1860-4642-9CD2-0079EA5E7CD1}" type="datetimeFigureOut">
               <a:rPr lang="en-US" smtClean="0"/>
-              <a:t>8/26/2019</a:t>
+              <a:t>8/28/2019</a:t>
             </a:fld>
             <a:endParaRPr lang="en-US"/>
           </a:p>
@@ -2209,7 +2210,7 @@
             <a:fld id="{5779C94C-CB30-4808-9674-EC4D85911D31}" type="datetime1">
               <a:rPr lang="en-US"/>
               <a:pPr/>
-              <a:t>8/26/2019</a:t>
+              <a:t>8/28/2019</a:t>
             </a:fld>
             <a:endParaRPr lang="en-US"/>
           </a:p>
@@ -2423,7 +2424,7 @@
           <a:p>
             <a:fld id="{37CC0096-1860-4642-9CD2-0079EA5E7CD1}" type="datetimeFigureOut">
               <a:rPr lang="en-US" smtClean="0"/>
-              <a:t>8/26/2019</a:t>
+              <a:t>8/28/2019</a:t>
             </a:fld>
             <a:endParaRPr lang="en-US"/>
           </a:p>
@@ -2858,7 +2859,7 @@
           <a:p>
             <a:fld id="{37CC0096-1860-4642-9CD2-0079EA5E7CD1}" type="datetimeFigureOut">
               <a:rPr lang="en-US" smtClean="0"/>
-              <a:t>8/26/2019</a:t>
+              <a:t>8/28/2019</a:t>
             </a:fld>
             <a:endParaRPr lang="en-US"/>
           </a:p>
@@ -3298,7 +3299,7 @@
           <a:p>
             <a:fld id="{37CC0096-1860-4642-9CD2-0079EA5E7CD1}" type="datetimeFigureOut">
               <a:rPr lang="en-US" smtClean="0"/>
-              <a:t>8/26/2019</a:t>
+              <a:t>8/28/2019</a:t>
             </a:fld>
             <a:endParaRPr lang="en-US"/>
           </a:p>
@@ -3416,7 +3417,7 @@
           <a:p>
             <a:fld id="{37CC0096-1860-4642-9CD2-0079EA5E7CD1}" type="datetimeFigureOut">
               <a:rPr lang="en-US" smtClean="0"/>
-              <a:t>8/26/2019</a:t>
+              <a:t>8/28/2019</a:t>
             </a:fld>
             <a:endParaRPr lang="en-US"/>
           </a:p>
@@ -3511,7 +3512,7 @@
           <a:p>
             <a:fld id="{37CC0096-1860-4642-9CD2-0079EA5E7CD1}" type="datetimeFigureOut">
               <a:rPr lang="en-US" smtClean="0"/>
-              <a:t>8/26/2019</a:t>
+              <a:t>8/28/2019</a:t>
             </a:fld>
             <a:endParaRPr lang="en-US"/>
           </a:p>
@@ -3795,7 +3796,7 @@
           <a:p>
             <a:fld id="{37CC0096-1860-4642-9CD2-0079EA5E7CD1}" type="datetimeFigureOut">
               <a:rPr lang="en-US" smtClean="0"/>
-              <a:t>8/26/2019</a:t>
+              <a:t>8/28/2019</a:t>
             </a:fld>
             <a:endParaRPr lang="en-US"/>
           </a:p>
@@ -4108,7 +4109,7 @@
           <a:p>
             <a:fld id="{37CC0096-1860-4642-9CD2-0079EA5E7CD1}" type="datetimeFigureOut">
               <a:rPr lang="en-US" smtClean="0"/>
-              <a:t>8/26/2019</a:t>
+              <a:t>8/28/2019</a:t>
             </a:fld>
             <a:endParaRPr lang="en-US"/>
           </a:p>
@@ -4340,7 +4341,7 @@
             <a:fld id="{37CC0096-1860-4642-9CD2-0079EA5E7CD1}" type="datetimeFigureOut">
               <a:rPr lang="en-US" smtClean="0"/>
               <a:pPr/>
-              <a:t>8/26/2019</a:t>
+              <a:t>8/28/2019</a:t>
             </a:fld>
             <a:endParaRPr lang="en-US"/>
           </a:p>
@@ -4871,7 +4872,7 @@
           <a:p>
             <a:r>
               <a:rPr lang="en-US" dirty="0" smtClean="0"/>
-              <a:t>Optional: Can you do it?</a:t>
+              <a:t>Try it if you like GUI --- Step 1</a:t>
             </a:r>
             <a:endParaRPr lang="en-US" dirty="0"/>
           </a:p>
@@ -4887,66 +4888,104 @@
             <p:ph idx="1"/>
           </p:nvPr>
         </p:nvSpPr>
-        <p:spPr/>
-        <p:txBody>
-          <a:bodyPr/>
+        <p:spPr>
+          <a:xfrm>
+            <a:off x="838200" y="1828800"/>
+            <a:ext cx="9829800" cy="4800600"/>
+          </a:xfrm>
+        </p:spPr>
+        <p:txBody>
+          <a:bodyPr>
+            <a:normAutofit lnSpcReduction="10000"/>
+          </a:bodyPr>
           <a:lstStyle/>
           <a:p>
             <a:r>
               <a:rPr lang="en-US" dirty="0" smtClean="0"/>
-              <a:t>Clone the remote  </a:t>
+              <a:t>Run </a:t>
             </a:r>
             <a:r>
               <a:rPr lang="en-US" dirty="0" err="1" smtClean="0"/>
-              <a:t>github</a:t>
+              <a:t>Git</a:t>
             </a:r>
             <a:r>
               <a:rPr lang="en-US" dirty="0" smtClean="0"/>
-              <a:t> repository to </a:t>
-            </a:r>
+              <a:t> </a:t>
+            </a:r>
+            <a:r>
+              <a:rPr lang="en-US" dirty="0" err="1" smtClean="0"/>
+              <a:t>Gui</a:t>
+            </a:r>
+            <a:r>
+              <a:rPr lang="en-US" dirty="0" smtClean="0"/>
+              <a:t> </a:t>
+            </a:r>
+          </a:p>
+          <a:p>
+            <a:endParaRPr lang="en-US" dirty="0"/>
+          </a:p>
+          <a:p>
+            <a:endParaRPr lang="en-US" dirty="0" smtClean="0"/>
+          </a:p>
+          <a:p>
+            <a:endParaRPr lang="en-US" dirty="0"/>
+          </a:p>
+          <a:p>
+            <a:endParaRPr lang="en-US" dirty="0" smtClean="0"/>
+          </a:p>
+          <a:p>
+            <a:endParaRPr lang="en-US" dirty="0" smtClean="0"/>
+          </a:p>
+          <a:p>
+            <a:endParaRPr lang="en-US" dirty="0" smtClean="0"/>
           </a:p>
           <a:p>
             <a:pPr marL="0" indent="0">
               <a:buNone/>
             </a:pPr>
             <a:r>
-              <a:rPr lang="en-US" dirty="0" smtClean="0">
-                <a:hlinkClick r:id="rId2"/>
-              </a:rPr>
-              <a:t>https://github.com/yilianz/CSCI125</a:t>
-            </a:r>
-            <a:r>
               <a:rPr lang="en-US" dirty="0" smtClean="0"/>
-              <a:t> </a:t>
-            </a:r>
-          </a:p>
-          <a:p>
-            <a:pPr marL="0" indent="0">
-              <a:buNone/>
-            </a:pPr>
+              <a:t>Login your </a:t>
+            </a:r>
+            <a:r>
+              <a:rPr lang="en-US" dirty="0" err="1" smtClean="0"/>
+              <a:t>github</a:t>
+            </a:r>
+            <a:r>
+              <a:rPr lang="en-US" dirty="0" smtClean="0"/>
+              <a:t> account – copy the link of the repository in source location</a:t>
+            </a:r>
             <a:endParaRPr lang="en-US" dirty="0"/>
           </a:p>
-          <a:p>
-            <a:r>
-              <a:rPr lang="en-US" dirty="0"/>
-              <a:t>y</a:t>
-            </a:r>
-            <a:r>
-              <a:rPr lang="en-US" dirty="0" smtClean="0"/>
-              <a:t>our local folder    CSCI125/</a:t>
-            </a:r>
-            <a:r>
-              <a:rPr lang="en-US" dirty="0" err="1" smtClean="0"/>
-              <a:t>coursematerial</a:t>
-            </a:r>
-            <a:endParaRPr lang="en-US" dirty="0"/>
-          </a:p>
-        </p:txBody>
-      </p:sp>
+        </p:txBody>
+      </p:sp>
+      <p:pic>
+        <p:nvPicPr>
+          <p:cNvPr id="6" name="Picture 5"/>
+          <p:cNvPicPr>
+            <a:picLocks noChangeAspect="1"/>
+          </p:cNvPicPr>
+          <p:nvPr/>
+        </p:nvPicPr>
+        <p:blipFill rotWithShape="1">
+          <a:blip r:embed="rId2"/>
+          <a:srcRect l="2381" t="20571" r="56190" b="42858"/>
+          <a:stretch/>
+        </p:blipFill>
+        <p:spPr>
+          <a:xfrm>
+            <a:off x="3505200" y="2057400"/>
+            <a:ext cx="6629400" cy="3657600"/>
+          </a:xfrm>
+          <a:prstGeom prst="round2SameRect">
+            <a:avLst/>
+          </a:prstGeom>
+        </p:spPr>
+      </p:pic>
     </p:spTree>
     <p:extLst>
       <p:ext uri="{BB962C8B-B14F-4D97-AF65-F5344CB8AC3E}">
-        <p14:creationId xmlns:p14="http://schemas.microsoft.com/office/powerpoint/2010/main" val="2270198181"/>
+        <p14:creationId xmlns:p14="http://schemas.microsoft.com/office/powerpoint/2010/main" val="3622033281"/>
       </p:ext>
     </p:extLst>
   </p:cSld>
@@ -4990,7 +5029,7 @@
           <a:p>
             <a:r>
               <a:rPr lang="en-US" dirty="0" smtClean="0"/>
-              <a:t>Heart of Computer Science</a:t>
+              <a:t>Optional: Can you do it?</a:t>
             </a:r>
             <a:endParaRPr lang="en-US" dirty="0"/>
           </a:p>
@@ -5013,35 +5052,50 @@
           <a:p>
             <a:r>
               <a:rPr lang="en-US" dirty="0" smtClean="0"/>
-              <a:t>Solve problem using  computers</a:t>
-            </a:r>
-          </a:p>
-          <a:p>
-            <a:pPr lvl="1"/>
+              <a:t>Clone the remote  </a:t>
+            </a:r>
+            <a:r>
+              <a:rPr lang="en-US" dirty="0" err="1" smtClean="0"/>
+              <a:t>github</a:t>
+            </a:r>
             <a:r>
               <a:rPr lang="en-US" dirty="0" smtClean="0"/>
-              <a:t>Computer Systems  -- Hardware Support</a:t>
-            </a:r>
-          </a:p>
-          <a:p>
-            <a:pPr lvl="1"/>
+              <a:t> repository to </a:t>
+            </a:r>
+          </a:p>
+          <a:p>
+            <a:pPr marL="0" indent="0">
+              <a:buNone/>
+            </a:pPr>
+            <a:r>
+              <a:rPr lang="en-US" dirty="0" smtClean="0">
+                <a:hlinkClick r:id="rId2"/>
+              </a:rPr>
+              <a:t>https://github.com/yilianz/CSCI125</a:t>
+            </a:r>
             <a:r>
               <a:rPr lang="en-US" dirty="0" smtClean="0"/>
-              <a:t>Programming  --- Talk to computer</a:t>
-            </a:r>
-          </a:p>
-          <a:p>
-            <a:pPr lvl="1"/>
+              <a:t> </a:t>
+            </a:r>
+          </a:p>
+          <a:p>
+            <a:pPr marL="0" indent="0">
+              <a:buNone/>
+            </a:pPr>
+            <a:endParaRPr lang="en-US" dirty="0"/>
+          </a:p>
+          <a:p>
+            <a:r>
+              <a:rPr lang="en-US" dirty="0"/>
+              <a:t>y</a:t>
+            </a:r>
             <a:r>
               <a:rPr lang="en-US" dirty="0" smtClean="0"/>
-              <a:t>Data  ----  Input/output</a:t>
-            </a:r>
-          </a:p>
-          <a:p>
-            <a:pPr lvl="1"/>
-            <a:r>
-              <a:rPr lang="en-US" dirty="0" smtClean="0"/>
-              <a:t>Algorithm  --- Way to Solve the Problem</a:t>
+              <a:t>our local folder    CSCI125/</a:t>
+            </a:r>
+            <a:r>
+              <a:rPr lang="en-US" dirty="0" err="1" smtClean="0"/>
+              <a:t>coursematerial</a:t>
             </a:r>
             <a:endParaRPr lang="en-US" dirty="0"/>
           </a:p>
@@ -5050,7 +5104,7 @@
     </p:spTree>
     <p:extLst>
       <p:ext uri="{BB962C8B-B14F-4D97-AF65-F5344CB8AC3E}">
-        <p14:creationId xmlns:p14="http://schemas.microsoft.com/office/powerpoint/2010/main" val="2480194632"/>
+        <p14:creationId xmlns:p14="http://schemas.microsoft.com/office/powerpoint/2010/main" val="2270198181"/>
       </p:ext>
     </p:extLst>
   </p:cSld>
@@ -5094,64 +5148,67 @@
           <a:p>
             <a:r>
               <a:rPr lang="en-US" dirty="0" smtClean="0"/>
-              <a:t>Computer Systems</a:t>
+              <a:t>Heart of Computer Science</a:t>
             </a:r>
             <a:endParaRPr lang="en-US" dirty="0"/>
           </a:p>
         </p:txBody>
       </p:sp>
-      <p:pic>
-        <p:nvPicPr>
-          <p:cNvPr id="4" name="Picture 3"/>
-          <p:cNvPicPr>
-            <a:picLocks noChangeAspect="1"/>
-          </p:cNvPicPr>
-          <p:nvPr/>
-        </p:nvPicPr>
-        <p:blipFill>
-          <a:blip r:embed="rId2"/>
-          <a:stretch>
-            <a:fillRect/>
-          </a:stretch>
-        </p:blipFill>
-        <p:spPr>
-          <a:xfrm>
-            <a:off x="533399" y="1905000"/>
-            <a:ext cx="4121851" cy="2895600"/>
-          </a:xfrm>
-          <a:prstGeom prst="rect">
-            <a:avLst/>
-          </a:prstGeom>
-        </p:spPr>
-      </p:pic>
-      <p:pic>
-        <p:nvPicPr>
-          <p:cNvPr id="5" name="Picture 4"/>
-          <p:cNvPicPr>
-            <a:picLocks noChangeAspect="1"/>
-          </p:cNvPicPr>
-          <p:nvPr/>
-        </p:nvPicPr>
-        <p:blipFill>
-          <a:blip r:embed="rId3"/>
-          <a:stretch>
-            <a:fillRect/>
-          </a:stretch>
-        </p:blipFill>
-        <p:spPr>
-          <a:xfrm>
-            <a:off x="5333999" y="2160533"/>
-            <a:ext cx="6292811" cy="4011667"/>
-          </a:xfrm>
-          <a:prstGeom prst="rect">
-            <a:avLst/>
-          </a:prstGeom>
-        </p:spPr>
-      </p:pic>
+      <p:sp>
+        <p:nvSpPr>
+          <p:cNvPr id="3" name="Content Placeholder 2"/>
+          <p:cNvSpPr>
+            <a:spLocks noGrp="1"/>
+          </p:cNvSpPr>
+          <p:nvPr>
+            <p:ph idx="1"/>
+          </p:nvPr>
+        </p:nvSpPr>
+        <p:spPr/>
+        <p:txBody>
+          <a:bodyPr/>
+          <a:lstStyle/>
+          <a:p>
+            <a:r>
+              <a:rPr lang="en-US" dirty="0" smtClean="0"/>
+              <a:t>Solve problem using  computers</a:t>
+            </a:r>
+          </a:p>
+          <a:p>
+            <a:pPr lvl="1"/>
+            <a:r>
+              <a:rPr lang="en-US" dirty="0" smtClean="0"/>
+              <a:t>Computer Systems  -- Hardware Support</a:t>
+            </a:r>
+          </a:p>
+          <a:p>
+            <a:pPr lvl="1"/>
+            <a:r>
+              <a:rPr lang="en-US" dirty="0" smtClean="0"/>
+              <a:t>Programming  --- Talk to computer</a:t>
+            </a:r>
+          </a:p>
+          <a:p>
+            <a:pPr lvl="1"/>
+            <a:r>
+              <a:rPr lang="en-US" dirty="0" smtClean="0"/>
+              <a:t>Data  ----  Input/output</a:t>
+            </a:r>
+          </a:p>
+          <a:p>
+            <a:pPr lvl="1"/>
+            <a:r>
+              <a:rPr lang="en-US" dirty="0" smtClean="0"/>
+              <a:t>Algorithm  --- Way to Solve the Problem</a:t>
+            </a:r>
+            <a:endParaRPr lang="en-US" dirty="0"/>
+          </a:p>
+        </p:txBody>
+      </p:sp>
     </p:spTree>
     <p:extLst>
       <p:ext uri="{BB962C8B-B14F-4D97-AF65-F5344CB8AC3E}">
-        <p14:creationId xmlns:p14="http://schemas.microsoft.com/office/powerpoint/2010/main" val="3821816375"/>
+        <p14:creationId xmlns:p14="http://schemas.microsoft.com/office/powerpoint/2010/main" val="2480194632"/>
       </p:ext>
     </p:extLst>
   </p:cSld>
@@ -5469,8 +5526,9 @@
             </a:pPr>
             <a:r>
               <a:rPr lang="en-US" dirty="0" smtClean="0"/>
-              <a:t>F5</a:t>
-            </a:r>
+              <a:t>Right click – Run python file in terminal</a:t>
+            </a:r>
+            <a:endParaRPr lang="en-US" dirty="0" smtClean="0"/>
           </a:p>
           <a:p>
             <a:r>
@@ -5728,21 +5786,21 @@
           <a:p>
             <a:pPr lvl="1"/>
             <a:r>
-              <a:rPr lang="en-US" sz="2200" dirty="0"/>
+              <a:rPr lang="en-US" sz="2200" u="sng" dirty="0"/>
               <a:t>Stage all Changes</a:t>
             </a:r>
           </a:p>
           <a:p>
             <a:pPr lvl="1"/>
             <a:r>
-              <a:rPr lang="en-US" sz="2200" dirty="0"/>
+              <a:rPr lang="en-US" sz="2200" u="sng" dirty="0"/>
               <a:t>Commit all</a:t>
             </a:r>
           </a:p>
           <a:p>
             <a:pPr lvl="1"/>
             <a:r>
-              <a:rPr lang="en-US" sz="2200" dirty="0"/>
+              <a:rPr lang="en-US" sz="2200" u="sng" dirty="0"/>
               <a:t>Push to </a:t>
             </a:r>
           </a:p>
@@ -5856,84 +5914,72 @@
           <a:bodyPr/>
           <a:lstStyle/>
           <a:p>
-            <a:pPr>
-              <a:buNone/>
-            </a:pPr>
-            <a:r>
-              <a:rPr lang="en-US" dirty="0" err="1" smtClean="0"/>
-              <a:t>Github</a:t>
-            </a:r>
             <a:r>
               <a:rPr lang="en-US" dirty="0" smtClean="0"/>
-              <a:t> Pages</a:t>
+              <a:t>Computer Systems</a:t>
             </a:r>
             <a:endParaRPr lang="en-US" dirty="0"/>
           </a:p>
         </p:txBody>
       </p:sp>
-      <p:sp>
-        <p:nvSpPr>
-          <p:cNvPr id="3" name="Content Placeholder 2"/>
-          <p:cNvSpPr>
-            <a:spLocks noGrp="1"/>
-          </p:cNvSpPr>
-          <p:nvPr>
-            <p:ph idx="1"/>
-          </p:nvPr>
-        </p:nvSpPr>
-        <p:spPr/>
-        <p:txBody>
-          <a:bodyPr>
-            <a:normAutofit/>
-          </a:bodyPr>
-          <a:lstStyle/>
-          <a:p>
-            <a:r>
-              <a:rPr lang="en-US" dirty="0"/>
-              <a:t>You get one site per GitHub account and organization, </a:t>
-            </a:r>
-          </a:p>
-          <a:p>
-            <a:pPr marL="0" indent="0">
-              <a:buNone/>
-            </a:pPr>
-            <a:r>
-              <a:rPr lang="en-US" dirty="0"/>
-              <a:t>and unlimited project </a:t>
-            </a:r>
-            <a:r>
-              <a:rPr lang="en-US" dirty="0" smtClean="0"/>
-              <a:t>sites with your GitHub account</a:t>
-            </a:r>
-            <a:endParaRPr lang="en-US" dirty="0"/>
-          </a:p>
-        </p:txBody>
-      </p:sp>
+      <p:pic>
+        <p:nvPicPr>
+          <p:cNvPr id="4" name="Picture 3"/>
+          <p:cNvPicPr>
+            <a:picLocks noChangeAspect="1"/>
+          </p:cNvPicPr>
+          <p:nvPr/>
+        </p:nvPicPr>
+        <p:blipFill>
+          <a:blip r:embed="rId2"/>
+          <a:stretch>
+            <a:fillRect/>
+          </a:stretch>
+        </p:blipFill>
+        <p:spPr>
+          <a:xfrm>
+            <a:off x="533399" y="1905000"/>
+            <a:ext cx="4772670" cy="3352800"/>
+          </a:xfrm>
+          <a:prstGeom prst="rect">
+            <a:avLst/>
+          </a:prstGeom>
+        </p:spPr>
+      </p:pic>
+      <p:pic>
+        <p:nvPicPr>
+          <p:cNvPr id="5" name="Picture 4"/>
+          <p:cNvPicPr>
+            <a:picLocks noChangeAspect="1"/>
+          </p:cNvPicPr>
+          <p:nvPr/>
+        </p:nvPicPr>
+        <p:blipFill>
+          <a:blip r:embed="rId3"/>
+          <a:stretch>
+            <a:fillRect/>
+          </a:stretch>
+        </p:blipFill>
+        <p:spPr>
+          <a:xfrm>
+            <a:off x="5333999" y="2160533"/>
+            <a:ext cx="6292811" cy="4011667"/>
+          </a:xfrm>
+          <a:prstGeom prst="rect">
+            <a:avLst/>
+          </a:prstGeom>
+        </p:spPr>
+      </p:pic>
     </p:spTree>
     <p:extLst>
       <p:ext uri="{BB962C8B-B14F-4D97-AF65-F5344CB8AC3E}">
-        <p14:creationId xmlns:p14="http://schemas.microsoft.com/office/powerpoint/2010/main" val="1217619808"/>
+        <p14:creationId xmlns:p14="http://schemas.microsoft.com/office/powerpoint/2010/main" val="179407953"/>
       </p:ext>
     </p:extLst>
   </p:cSld>
   <p:clrMapOvr>
     <a:masterClrMapping/>
   </p:clrMapOvr>
-  <mc:AlternateContent xmlns:mc="http://schemas.openxmlformats.org/markup-compatibility/2006" xmlns:p14="http://schemas.microsoft.com/office/powerpoint/2010/main">
-    <mc:Choice Requires="p14">
-      <p:transition spd="slow" p14:dur="2000"/>
-    </mc:Choice>
-    <mc:Fallback xmlns="">
-      <p:transition spd="slow"/>
-    </mc:Fallback>
-  </mc:AlternateContent>
-  <p:timing>
-    <p:tnLst>
-      <p:par>
-        <p:cTn id="1" dur="indefinite" restart="never" nodeType="tmRoot"/>
-      </p:par>
-    </p:tnLst>
-  </p:timing>
 </p:sld>
 </file>
 
@@ -5973,16 +6019,12 @@
               <a:buNone/>
             </a:pPr>
             <a:r>
+              <a:rPr lang="en-US" dirty="0" err="1" smtClean="0"/>
+              <a:t>Github</a:t>
+            </a:r>
+            <a:r>
               <a:rPr lang="en-US" dirty="0" smtClean="0"/>
-              <a:t>Step </a:t>
-            </a:r>
-            <a:r>
-              <a:rPr lang="en-US" dirty="0" smtClean="0"/>
-              <a:t>1:  </a:t>
-            </a:r>
-            <a:r>
-              <a:rPr lang="en-US" dirty="0" smtClean="0"/>
-              <a:t>Remote folder</a:t>
+              <a:t> Pages</a:t>
             </a:r>
             <a:endParaRPr lang="en-US" dirty="0"/>
           </a:p>
@@ -6006,89 +6048,30 @@
           <a:lstStyle/>
           <a:p>
             <a:r>
-              <a:rPr lang="en-US" dirty="0" smtClean="0"/>
-              <a:t>Create a repository (folder) to hold your web documents.</a:t>
-            </a:r>
-            <a:endParaRPr lang="en-US" dirty="0"/>
-          </a:p>
-          <a:p>
-            <a:pPr marL="108000" indent="0">
+              <a:rPr lang="en-US" dirty="0"/>
+              <a:t>You get one site per GitHub account and organization, </a:t>
+            </a:r>
+          </a:p>
+          <a:p>
+            <a:pPr marL="0" indent="0">
               <a:buNone/>
             </a:pPr>
-            <a:endParaRPr lang="en-US" dirty="0" smtClean="0"/>
-          </a:p>
-          <a:p>
-            <a:pPr marL="108000" indent="0">
-              <a:buNone/>
-            </a:pPr>
-            <a:r>
-              <a:rPr lang="en-US" b="1" dirty="0"/>
-              <a:t>Your default </a:t>
-            </a:r>
-            <a:r>
-              <a:rPr lang="en-US" b="1" dirty="0" err="1"/>
-              <a:t>Github</a:t>
-            </a:r>
-            <a:r>
-              <a:rPr lang="en-US" b="1" dirty="0"/>
-              <a:t> Website:   </a:t>
-            </a:r>
-            <a:r>
-              <a:rPr lang="en-US" b="1" dirty="0">
-                <a:solidFill>
-                  <a:srgbClr val="FF0000"/>
-                </a:solidFill>
-              </a:rPr>
-              <a:t>username</a:t>
-            </a:r>
-            <a:r>
-              <a:rPr lang="en-US" b="1" dirty="0"/>
-              <a:t>.github.io</a:t>
-            </a:r>
-          </a:p>
-          <a:p>
-            <a:pPr marL="108000" indent="0">
-              <a:buNone/>
-            </a:pPr>
-            <a:r>
-              <a:rPr lang="en-US" b="1" dirty="0"/>
-              <a:t>Your repository: </a:t>
-            </a:r>
-            <a:r>
-              <a:rPr lang="en-US" b="1" dirty="0">
-                <a:solidFill>
-                  <a:srgbClr val="FF0000"/>
-                </a:solidFill>
-              </a:rPr>
-              <a:t>username</a:t>
-            </a:r>
-            <a:r>
-              <a:rPr lang="en-US" b="1" dirty="0"/>
-              <a:t>.github.io</a:t>
-            </a:r>
-          </a:p>
-          <a:p>
-            <a:pPr marL="108000" indent="0">
-              <a:buNone/>
-            </a:pPr>
-            <a:endParaRPr lang="en-US" b="1" dirty="0"/>
-          </a:p>
-          <a:p>
-            <a:pPr marL="108000" indent="0">
-              <a:buNone/>
-            </a:pPr>
-            <a:r>
-              <a:rPr lang="en-US" b="1" dirty="0"/>
-              <a:t>For example:  yilianz.github.io</a:t>
-            </a:r>
-            <a:endParaRPr lang="en-US" b="1" dirty="0"/>
+            <a:r>
+              <a:rPr lang="en-US" dirty="0"/>
+              <a:t>and unlimited project </a:t>
+            </a:r>
+            <a:r>
+              <a:rPr lang="en-US" dirty="0" smtClean="0"/>
+              <a:t>sites with your GitHub account</a:t>
+            </a:r>
+            <a:endParaRPr lang="en-US" dirty="0"/>
           </a:p>
         </p:txBody>
       </p:sp>
     </p:spTree>
     <p:extLst>
       <p:ext uri="{BB962C8B-B14F-4D97-AF65-F5344CB8AC3E}">
-        <p14:creationId xmlns:p14="http://schemas.microsoft.com/office/powerpoint/2010/main" val="33404789"/>
+        <p14:creationId xmlns:p14="http://schemas.microsoft.com/office/powerpoint/2010/main" val="1217619808"/>
       </p:ext>
     </p:extLst>
   </p:cSld>
@@ -6193,6 +6176,173 @@
 </file>
 
 <file path=ppt/slides/slide20.xml><?xml version="1.0" encoding="utf-8"?>
+<p:sld xmlns:a="http://schemas.openxmlformats.org/drawingml/2006/main" xmlns:r="http://schemas.openxmlformats.org/officeDocument/2006/relationships" xmlns:p="http://schemas.openxmlformats.org/presentationml/2006/main">
+  <p:cSld>
+    <p:spTree>
+      <p:nvGrpSpPr>
+        <p:cNvPr id="1" name=""/>
+        <p:cNvGrpSpPr/>
+        <p:nvPr/>
+      </p:nvGrpSpPr>
+      <p:grpSpPr>
+        <a:xfrm>
+          <a:off x="0" y="0"/>
+          <a:ext cx="0" cy="0"/>
+          <a:chOff x="0" y="0"/>
+          <a:chExt cx="0" cy="0"/>
+        </a:xfrm>
+      </p:grpSpPr>
+      <p:sp>
+        <p:nvSpPr>
+          <p:cNvPr id="2" name="Title 1"/>
+          <p:cNvSpPr>
+            <a:spLocks noGrp="1"/>
+          </p:cNvSpPr>
+          <p:nvPr>
+            <p:ph type="title"/>
+          </p:nvPr>
+        </p:nvSpPr>
+        <p:spPr/>
+        <p:txBody>
+          <a:bodyPr/>
+          <a:lstStyle/>
+          <a:p>
+            <a:pPr>
+              <a:buNone/>
+            </a:pPr>
+            <a:r>
+              <a:rPr lang="en-US" dirty="0" smtClean="0"/>
+              <a:t>Step 1:  Remote folder</a:t>
+            </a:r>
+            <a:endParaRPr lang="en-US" dirty="0"/>
+          </a:p>
+        </p:txBody>
+      </p:sp>
+      <p:sp>
+        <p:nvSpPr>
+          <p:cNvPr id="3" name="Content Placeholder 2"/>
+          <p:cNvSpPr>
+            <a:spLocks noGrp="1"/>
+          </p:cNvSpPr>
+          <p:nvPr>
+            <p:ph idx="1"/>
+          </p:nvPr>
+        </p:nvSpPr>
+        <p:spPr/>
+        <p:txBody>
+          <a:bodyPr>
+            <a:normAutofit/>
+          </a:bodyPr>
+          <a:lstStyle/>
+          <a:p>
+            <a:r>
+              <a:rPr lang="en-US" dirty="0" smtClean="0"/>
+              <a:t>Create a repository (folder) to hold your web documents.</a:t>
+            </a:r>
+            <a:endParaRPr lang="en-US" dirty="0"/>
+          </a:p>
+          <a:p>
+            <a:pPr marL="108000" indent="0">
+              <a:buNone/>
+            </a:pPr>
+            <a:endParaRPr lang="en-US" dirty="0" smtClean="0"/>
+          </a:p>
+          <a:p>
+            <a:pPr marL="108000" indent="0">
+              <a:buNone/>
+            </a:pPr>
+            <a:r>
+              <a:rPr lang="en-US" b="1" dirty="0"/>
+              <a:t>Your default </a:t>
+            </a:r>
+            <a:r>
+              <a:rPr lang="en-US" b="1" dirty="0" err="1"/>
+              <a:t>Github</a:t>
+            </a:r>
+            <a:r>
+              <a:rPr lang="en-US" b="1" dirty="0"/>
+              <a:t> Website:   </a:t>
+            </a:r>
+            <a:r>
+              <a:rPr lang="en-US" b="1" dirty="0">
+                <a:solidFill>
+                  <a:srgbClr val="FF0000"/>
+                </a:solidFill>
+              </a:rPr>
+              <a:t>username</a:t>
+            </a:r>
+            <a:r>
+              <a:rPr lang="en-US" b="1" dirty="0"/>
+              <a:t>.github.io</a:t>
+            </a:r>
+          </a:p>
+          <a:p>
+            <a:pPr marL="108000" indent="0">
+              <a:buNone/>
+            </a:pPr>
+            <a:r>
+              <a:rPr lang="en-US" b="1" dirty="0"/>
+              <a:t>Your repository: </a:t>
+            </a:r>
+            <a:r>
+              <a:rPr lang="en-US" b="1" dirty="0">
+                <a:solidFill>
+                  <a:srgbClr val="FF0000"/>
+                </a:solidFill>
+              </a:rPr>
+              <a:t>username</a:t>
+            </a:r>
+            <a:r>
+              <a:rPr lang="en-US" b="1" dirty="0"/>
+              <a:t>.github.io</a:t>
+            </a:r>
+          </a:p>
+          <a:p>
+            <a:pPr marL="108000" indent="0">
+              <a:buNone/>
+            </a:pPr>
+            <a:endParaRPr lang="en-US" b="1" dirty="0"/>
+          </a:p>
+          <a:p>
+            <a:pPr marL="108000" indent="0">
+              <a:buNone/>
+            </a:pPr>
+            <a:r>
+              <a:rPr lang="en-US" b="1" dirty="0"/>
+              <a:t>For example:  yilianz.github.io</a:t>
+            </a:r>
+          </a:p>
+        </p:txBody>
+      </p:sp>
+    </p:spTree>
+    <p:extLst>
+      <p:ext uri="{BB962C8B-B14F-4D97-AF65-F5344CB8AC3E}">
+        <p14:creationId xmlns:p14="http://schemas.microsoft.com/office/powerpoint/2010/main" val="33404789"/>
+      </p:ext>
+    </p:extLst>
+  </p:cSld>
+  <p:clrMapOvr>
+    <a:masterClrMapping/>
+  </p:clrMapOvr>
+  <mc:AlternateContent xmlns:mc="http://schemas.openxmlformats.org/markup-compatibility/2006" xmlns:p14="http://schemas.microsoft.com/office/powerpoint/2010/main">
+    <mc:Choice Requires="p14">
+      <p:transition spd="slow" p14:dur="2000"/>
+    </mc:Choice>
+    <mc:Fallback xmlns="">
+      <p:transition spd="slow"/>
+    </mc:Fallback>
+  </mc:AlternateContent>
+  <p:timing>
+    <p:tnLst>
+      <p:par>
+        <p:cTn id="1" dur="indefinite" restart="never" nodeType="tmRoot"/>
+      </p:par>
+    </p:tnLst>
+  </p:timing>
+</p:sld>
+</file>
+
+<file path=ppt/slides/slide21.xml><?xml version="1.0" encoding="utf-8"?>
 <p:sld xmlns:a="http://schemas.openxmlformats.org/drawingml/2006/main" xmlns:r="http://schemas.openxmlformats.org/officeDocument/2006/relationships" xmlns:p="http://schemas.openxmlformats.org/presentationml/2006/main">
   <p:cSld>
     <p:spTree>
@@ -6331,151 +6481,6 @@
 </p:sld>
 </file>
 
-<file path=ppt/slides/slide21.xml><?xml version="1.0" encoding="utf-8"?>
-<p:sld xmlns:a="http://schemas.openxmlformats.org/drawingml/2006/main" xmlns:r="http://schemas.openxmlformats.org/officeDocument/2006/relationships" xmlns:p="http://schemas.openxmlformats.org/presentationml/2006/main">
-  <p:cSld>
-    <p:spTree>
-      <p:nvGrpSpPr>
-        <p:cNvPr id="1" name=""/>
-        <p:cNvGrpSpPr/>
-        <p:nvPr/>
-      </p:nvGrpSpPr>
-      <p:grpSpPr>
-        <a:xfrm>
-          <a:off x="0" y="0"/>
-          <a:ext cx="0" cy="0"/>
-          <a:chOff x="0" y="0"/>
-          <a:chExt cx="0" cy="0"/>
-        </a:xfrm>
-      </p:grpSpPr>
-      <p:sp>
-        <p:nvSpPr>
-          <p:cNvPr id="2" name="Title 1"/>
-          <p:cNvSpPr>
-            <a:spLocks noGrp="1"/>
-          </p:cNvSpPr>
-          <p:nvPr>
-            <p:ph type="title"/>
-          </p:nvPr>
-        </p:nvSpPr>
-        <p:spPr/>
-        <p:txBody>
-          <a:bodyPr/>
-          <a:lstStyle/>
-          <a:p>
-            <a:r>
-              <a:rPr lang="en-US" dirty="0" smtClean="0"/>
-              <a:t>Step </a:t>
-            </a:r>
-            <a:r>
-              <a:rPr lang="en-US" dirty="0"/>
-              <a:t>2</a:t>
-            </a:r>
-            <a:r>
-              <a:rPr lang="en-US" dirty="0" smtClean="0"/>
-              <a:t> Change the ReadMe file</a:t>
-            </a:r>
-            <a:endParaRPr lang="en-US" dirty="0"/>
-          </a:p>
-        </p:txBody>
-      </p:sp>
-      <p:sp>
-        <p:nvSpPr>
-          <p:cNvPr id="3" name="Content Placeholder 2"/>
-          <p:cNvSpPr>
-            <a:spLocks noGrp="1"/>
-          </p:cNvSpPr>
-          <p:nvPr>
-            <p:ph idx="1"/>
-          </p:nvPr>
-        </p:nvSpPr>
-        <p:spPr/>
-        <p:txBody>
-          <a:bodyPr/>
-          <a:lstStyle/>
-          <a:p>
-            <a:pPr marL="0" indent="0">
-              <a:buNone/>
-            </a:pPr>
-            <a:r>
-              <a:rPr lang="en-US" dirty="0" smtClean="0"/>
-              <a:t>Edit the ReadMe file in your repository </a:t>
-            </a:r>
-            <a:r>
-              <a:rPr lang="en-US" b="1" dirty="0">
-                <a:solidFill>
-                  <a:srgbClr val="FF0000"/>
-                </a:solidFill>
-              </a:rPr>
-              <a:t>username</a:t>
-            </a:r>
-            <a:r>
-              <a:rPr lang="en-US" b="1" dirty="0"/>
-              <a:t>.github.io</a:t>
-            </a:r>
-          </a:p>
-          <a:p>
-            <a:pPr marL="0" indent="0">
-              <a:buNone/>
-            </a:pPr>
-            <a:r>
-              <a:rPr lang="en-US" dirty="0" smtClean="0"/>
-              <a:t> and Check your website!</a:t>
-            </a:r>
-          </a:p>
-          <a:p>
-            <a:pPr marL="0" indent="0">
-              <a:buNone/>
-            </a:pPr>
-            <a:endParaRPr lang="en-US" dirty="0"/>
-          </a:p>
-          <a:p>
-            <a:pPr marL="0" indent="0">
-              <a:buNone/>
-            </a:pPr>
-            <a:r>
-              <a:rPr lang="en-US" b="1" dirty="0" smtClean="0">
-                <a:solidFill>
-                  <a:schemeClr val="tx1"/>
-                </a:solidFill>
-              </a:rPr>
-              <a:t>https://</a:t>
-            </a:r>
-            <a:r>
-              <a:rPr lang="en-US" b="1" dirty="0" smtClean="0">
-                <a:solidFill>
-                  <a:srgbClr val="FF0000"/>
-                </a:solidFill>
-              </a:rPr>
-              <a:t>username</a:t>
-            </a:r>
-            <a:r>
-              <a:rPr lang="en-US" b="1" dirty="0" smtClean="0"/>
-              <a:t>.github.io</a:t>
-            </a:r>
-            <a:endParaRPr lang="en-US" b="1" dirty="0"/>
-          </a:p>
-          <a:p>
-            <a:pPr marL="0" indent="0">
-              <a:buNone/>
-            </a:pPr>
-            <a:endParaRPr lang="en-US" dirty="0"/>
-          </a:p>
-        </p:txBody>
-      </p:sp>
-    </p:spTree>
-    <p:extLst>
-      <p:ext uri="{BB962C8B-B14F-4D97-AF65-F5344CB8AC3E}">
-        <p14:creationId xmlns:p14="http://schemas.microsoft.com/office/powerpoint/2010/main" val="2081376872"/>
-      </p:ext>
-    </p:extLst>
-  </p:cSld>
-  <p:clrMapOvr>
-    <a:masterClrMapping/>
-  </p:clrMapOvr>
-</p:sld>
-</file>
-
 <file path=ppt/slides/slide22.xml><?xml version="1.0" encoding="utf-8"?>
 <p:sld xmlns:a="http://schemas.openxmlformats.org/drawingml/2006/main" xmlns:r="http://schemas.openxmlformats.org/officeDocument/2006/relationships" xmlns:p="http://schemas.openxmlformats.org/presentationml/2006/main">
   <p:cSld>
@@ -6510,11 +6515,152 @@
           <a:p>
             <a:r>
               <a:rPr lang="en-US" dirty="0" smtClean="0"/>
-              <a:t>Step3:  </a:t>
+              <a:t>Step </a:t>
+            </a:r>
+            <a:r>
+              <a:rPr lang="en-US" dirty="0"/>
+              <a:t>2</a:t>
             </a:r>
             <a:r>
               <a:rPr lang="en-US" dirty="0" smtClean="0"/>
-              <a:t>Create a index.html file</a:t>
+              <a:t> Change the ReadMe file</a:t>
+            </a:r>
+            <a:endParaRPr lang="en-US" dirty="0"/>
+          </a:p>
+        </p:txBody>
+      </p:sp>
+      <p:sp>
+        <p:nvSpPr>
+          <p:cNvPr id="3" name="Content Placeholder 2"/>
+          <p:cNvSpPr>
+            <a:spLocks noGrp="1"/>
+          </p:cNvSpPr>
+          <p:nvPr>
+            <p:ph idx="1"/>
+          </p:nvPr>
+        </p:nvSpPr>
+        <p:spPr/>
+        <p:txBody>
+          <a:bodyPr/>
+          <a:lstStyle/>
+          <a:p>
+            <a:pPr marL="0" indent="0">
+              <a:buNone/>
+            </a:pPr>
+            <a:r>
+              <a:rPr lang="en-US" dirty="0" smtClean="0"/>
+              <a:t>Edit the ReadMe file in your repository </a:t>
+            </a:r>
+            <a:r>
+              <a:rPr lang="en-US" b="1" dirty="0">
+                <a:solidFill>
+                  <a:srgbClr val="FF0000"/>
+                </a:solidFill>
+              </a:rPr>
+              <a:t>username</a:t>
+            </a:r>
+            <a:r>
+              <a:rPr lang="en-US" b="1" dirty="0"/>
+              <a:t>.github.io</a:t>
+            </a:r>
+          </a:p>
+          <a:p>
+            <a:pPr marL="0" indent="0">
+              <a:buNone/>
+            </a:pPr>
+            <a:r>
+              <a:rPr lang="en-US" dirty="0" smtClean="0"/>
+              <a:t> and Check your website!</a:t>
+            </a:r>
+          </a:p>
+          <a:p>
+            <a:pPr marL="0" indent="0">
+              <a:buNone/>
+            </a:pPr>
+            <a:endParaRPr lang="en-US" dirty="0"/>
+          </a:p>
+          <a:p>
+            <a:pPr marL="0" indent="0">
+              <a:buNone/>
+            </a:pPr>
+            <a:r>
+              <a:rPr lang="en-US" b="1" dirty="0" smtClean="0">
+                <a:solidFill>
+                  <a:schemeClr val="tx1"/>
+                </a:solidFill>
+              </a:rPr>
+              <a:t>https://</a:t>
+            </a:r>
+            <a:r>
+              <a:rPr lang="en-US" b="1" dirty="0" smtClean="0">
+                <a:solidFill>
+                  <a:srgbClr val="FF0000"/>
+                </a:solidFill>
+              </a:rPr>
+              <a:t>username</a:t>
+            </a:r>
+            <a:r>
+              <a:rPr lang="en-US" b="1" dirty="0" smtClean="0"/>
+              <a:t>.github.io</a:t>
+            </a:r>
+            <a:endParaRPr lang="en-US" b="1" dirty="0"/>
+          </a:p>
+          <a:p>
+            <a:pPr marL="0" indent="0">
+              <a:buNone/>
+            </a:pPr>
+            <a:endParaRPr lang="en-US" dirty="0"/>
+          </a:p>
+        </p:txBody>
+      </p:sp>
+    </p:spTree>
+    <p:extLst>
+      <p:ext uri="{BB962C8B-B14F-4D97-AF65-F5344CB8AC3E}">
+        <p14:creationId xmlns:p14="http://schemas.microsoft.com/office/powerpoint/2010/main" val="2081376872"/>
+      </p:ext>
+    </p:extLst>
+  </p:cSld>
+  <p:clrMapOvr>
+    <a:masterClrMapping/>
+  </p:clrMapOvr>
+</p:sld>
+</file>
+
+<file path=ppt/slides/slide23.xml><?xml version="1.0" encoding="utf-8"?>
+<p:sld xmlns:a="http://schemas.openxmlformats.org/drawingml/2006/main" xmlns:r="http://schemas.openxmlformats.org/officeDocument/2006/relationships" xmlns:p="http://schemas.openxmlformats.org/presentationml/2006/main">
+  <p:cSld>
+    <p:spTree>
+      <p:nvGrpSpPr>
+        <p:cNvPr id="1" name=""/>
+        <p:cNvGrpSpPr/>
+        <p:nvPr/>
+      </p:nvGrpSpPr>
+      <p:grpSpPr>
+        <a:xfrm>
+          <a:off x="0" y="0"/>
+          <a:ext cx="0" cy="0"/>
+          <a:chOff x="0" y="0"/>
+          <a:chExt cx="0" cy="0"/>
+        </a:xfrm>
+      </p:grpSpPr>
+      <p:sp>
+        <p:nvSpPr>
+          <p:cNvPr id="2" name="Title 1"/>
+          <p:cNvSpPr>
+            <a:spLocks noGrp="1"/>
+          </p:cNvSpPr>
+          <p:nvPr>
+            <p:ph type="title"/>
+          </p:nvPr>
+        </p:nvSpPr>
+        <p:spPr/>
+        <p:txBody>
+          <a:bodyPr/>
+          <a:lstStyle/>
+          <a:p>
+            <a:r>
+              <a:rPr lang="en-US" dirty="0" smtClean="0"/>
+              <a:t>Step3:  Create a index.html file</a:t>
             </a:r>
             <a:endParaRPr lang="en-US" dirty="0"/>
           </a:p>
@@ -6581,165 +6727,6 @@
 </p:sld>
 </file>
 
-<file path=ppt/slides/slide23.xml><?xml version="1.0" encoding="utf-8"?>
-<p:sld xmlns:a="http://schemas.openxmlformats.org/drawingml/2006/main" xmlns:r="http://schemas.openxmlformats.org/officeDocument/2006/relationships" xmlns:p="http://schemas.openxmlformats.org/presentationml/2006/main">
-  <p:cSld>
-    <p:spTree>
-      <p:nvGrpSpPr>
-        <p:cNvPr id="1" name=""/>
-        <p:cNvGrpSpPr/>
-        <p:nvPr/>
-      </p:nvGrpSpPr>
-      <p:grpSpPr>
-        <a:xfrm>
-          <a:off x="0" y="0"/>
-          <a:ext cx="0" cy="0"/>
-          <a:chOff x="0" y="0"/>
-          <a:chExt cx="0" cy="0"/>
-        </a:xfrm>
-      </p:grpSpPr>
-      <p:sp>
-        <p:nvSpPr>
-          <p:cNvPr id="2" name="Title 1"/>
-          <p:cNvSpPr>
-            <a:spLocks noGrp="1"/>
-          </p:cNvSpPr>
-          <p:nvPr>
-            <p:ph type="title"/>
-          </p:nvPr>
-        </p:nvSpPr>
-        <p:spPr/>
-        <p:txBody>
-          <a:bodyPr/>
-          <a:lstStyle/>
-          <a:p>
-            <a:pPr>
-              <a:buNone/>
-            </a:pPr>
-            <a:r>
-              <a:rPr lang="en-US" dirty="0" smtClean="0"/>
-              <a:t>HTML 5</a:t>
-            </a:r>
-            <a:endParaRPr lang="en-US" dirty="0"/>
-          </a:p>
-        </p:txBody>
-      </p:sp>
-      <p:sp>
-        <p:nvSpPr>
-          <p:cNvPr id="3" name="Text Placeholder 2"/>
-          <p:cNvSpPr>
-            <a:spLocks noGrp="1"/>
-          </p:cNvSpPr>
-          <p:nvPr>
-            <p:ph type="body" idx="1"/>
-          </p:nvPr>
-        </p:nvSpPr>
-        <p:spPr/>
-        <p:txBody>
-          <a:bodyPr/>
-          <a:lstStyle/>
-          <a:p>
-            <a:pPr marL="452628">
-              <a:defRPr/>
-            </a:pPr>
-            <a:r>
-              <a:rPr lang="en-US" dirty="0"/>
-              <a:t>HTML5 (</a:t>
-            </a:r>
-            <a:r>
-              <a:rPr lang="en-US" dirty="0" err="1"/>
-              <a:t>HyperText</a:t>
-            </a:r>
-            <a:r>
-              <a:rPr lang="en-US" dirty="0"/>
-              <a:t> Markup Language 5) </a:t>
-            </a:r>
-          </a:p>
-          <a:p>
-            <a:pPr marL="621792" lvl="1">
-              <a:spcBef>
-                <a:spcPts val="324"/>
-              </a:spcBef>
-              <a:defRPr/>
-            </a:pPr>
-            <a:r>
-              <a:rPr lang="en-US" dirty="0"/>
-              <a:t>markup language that specifies the </a:t>
-            </a:r>
-            <a:r>
-              <a:rPr lang="en-US" i="1" dirty="0"/>
-              <a:t>structure</a:t>
-            </a:r>
-            <a:r>
-              <a:rPr lang="en-US" dirty="0"/>
-              <a:t> and </a:t>
-            </a:r>
-            <a:r>
-              <a:rPr lang="en-US" i="1" dirty="0"/>
-              <a:t>content</a:t>
-            </a:r>
-            <a:r>
-              <a:rPr lang="en-US" dirty="0"/>
-              <a:t> of documents that are displayed in web </a:t>
-            </a:r>
-            <a:r>
-              <a:rPr lang="en-US" dirty="0" smtClean="0"/>
-              <a:t>browsers</a:t>
-            </a:r>
-          </a:p>
-          <a:p>
-            <a:pPr marL="621792" lvl="1">
-              <a:spcBef>
-                <a:spcPts val="324"/>
-              </a:spcBef>
-              <a:defRPr/>
-            </a:pPr>
-            <a:r>
-              <a:rPr lang="en-US" dirty="0" smtClean="0"/>
-              <a:t>TEXT documents</a:t>
-            </a:r>
-          </a:p>
-          <a:p>
-            <a:pPr marL="621792" lvl="1">
-              <a:spcBef>
-                <a:spcPts val="324"/>
-              </a:spcBef>
-              <a:defRPr/>
-            </a:pPr>
-            <a:r>
-              <a:rPr lang="en-US" dirty="0" smtClean="0"/>
-              <a:t>*Tag based*    Extra whitespace and newlines do not matter. </a:t>
-            </a:r>
-            <a:endParaRPr lang="en-US" dirty="0"/>
-          </a:p>
-          <a:p>
-            <a:pPr marL="0" indent="0">
-              <a:buNone/>
-            </a:pPr>
-            <a:endParaRPr lang="en-US" dirty="0" smtClean="0"/>
-          </a:p>
-        </p:txBody>
-      </p:sp>
-    </p:spTree>
-    <p:extLst>
-      <p:ext uri="{BB962C8B-B14F-4D97-AF65-F5344CB8AC3E}">
-        <p14:creationId xmlns:p14="http://schemas.microsoft.com/office/powerpoint/2010/main" val="2889471319"/>
-      </p:ext>
-    </p:extLst>
-  </p:cSld>
-  <p:clrMapOvr>
-    <a:masterClrMapping/>
-  </p:clrMapOvr>
-  <p:timing>
-    <p:tnLst>
-      <p:par>
-        <p:cTn id="1" dur="indefinite" restart="never" nodeType="tmRoot"/>
-      </p:par>
-    </p:tnLst>
-  </p:timing>
-</p:sld>
-</file>
-
 <file path=ppt/slides/slide24.xml><?xml version="1.0" encoding="utf-8"?>
 <p:sld xmlns:a="http://schemas.openxmlformats.org/drawingml/2006/main" xmlns:r="http://schemas.openxmlformats.org/officeDocument/2006/relationships" xmlns:p="http://schemas.openxmlformats.org/presentationml/2006/main">
   <p:cSld>
@@ -6759,558 +6746,136 @@
       </p:grpSpPr>
       <p:sp>
         <p:nvSpPr>
-          <p:cNvPr id="215042" name="Rectangle 1"/>
-          <p:cNvSpPr>
-            <a:spLocks/>
-          </p:cNvSpPr>
-          <p:nvPr/>
-        </p:nvSpPr>
-        <p:spPr bwMode="auto">
-          <a:xfrm>
-            <a:off x="1791891" y="267892"/>
-            <a:ext cx="8751094" cy="714375"/>
-          </a:xfrm>
-          <a:prstGeom prst="rect">
-            <a:avLst/>
-          </a:prstGeom>
-          <a:noFill/>
-          <a:ln>
-            <a:noFill/>
-          </a:ln>
-          <a:extLst>
-            <a:ext uri="{909E8E84-426E-40DD-AFC4-6F175D3DCCD1}">
-              <a14:hiddenFill xmlns:a14="http://schemas.microsoft.com/office/drawing/2010/main">
-                <a:solidFill>
-                  <a:srgbClr val="FFFFFF"/>
-                </a:solidFill>
-              </a14:hiddenFill>
-            </a:ext>
-            <a:ext uri="{91240B29-F687-4F45-9708-019B960494DF}">
-              <a14:hiddenLine xmlns:a14="http://schemas.microsoft.com/office/drawing/2010/main" w="12700">
-                <a:solidFill>
-                  <a:srgbClr val="000000"/>
-                </a:solidFill>
-                <a:miter lim="800000"/>
-                <a:headEnd/>
-                <a:tailEnd/>
-              </a14:hiddenLine>
-            </a:ext>
-          </a:extLst>
-        </p:spPr>
-        <p:txBody>
-          <a:bodyPr lIns="0" tIns="0" rIns="0" bIns="0"/>
-          <a:lstStyle>
-            <a:lvl1pPr eaLnBrk="0" hangingPunct="0">
-              <a:defRPr sz="4200">
-                <a:solidFill>
-                  <a:srgbClr val="000000"/>
-                </a:solidFill>
-                <a:latin typeface="Gill Sans" pitchFamily="-84" charset="0"/>
-                <a:ea typeface="ヒラギノ角ゴ ProN W3" pitchFamily="-84" charset="-128"/>
-                <a:sym typeface="Gill Sans" pitchFamily="-84" charset="0"/>
-              </a:defRPr>
-            </a:lvl1pPr>
-            <a:lvl2pPr marL="37931725" indent="-37474525" eaLnBrk="0" hangingPunct="0">
-              <a:defRPr sz="4200">
-                <a:solidFill>
-                  <a:srgbClr val="000000"/>
-                </a:solidFill>
-                <a:latin typeface="Gill Sans" pitchFamily="-84" charset="0"/>
-                <a:ea typeface="ヒラギノ角ゴ ProN W3" pitchFamily="-84" charset="-128"/>
-                <a:sym typeface="Gill Sans" pitchFamily="-84" charset="0"/>
-              </a:defRPr>
-            </a:lvl2pPr>
-            <a:lvl3pPr eaLnBrk="0" hangingPunct="0">
-              <a:defRPr sz="4200">
-                <a:solidFill>
-                  <a:srgbClr val="000000"/>
-                </a:solidFill>
-                <a:latin typeface="Gill Sans" pitchFamily="-84" charset="0"/>
-                <a:ea typeface="ヒラギノ角ゴ ProN W3" pitchFamily="-84" charset="-128"/>
-                <a:sym typeface="Gill Sans" pitchFamily="-84" charset="0"/>
-              </a:defRPr>
-            </a:lvl3pPr>
-            <a:lvl4pPr eaLnBrk="0" hangingPunct="0">
-              <a:defRPr sz="4200">
-                <a:solidFill>
-                  <a:srgbClr val="000000"/>
-                </a:solidFill>
-                <a:latin typeface="Gill Sans" pitchFamily="-84" charset="0"/>
-                <a:ea typeface="ヒラギノ角ゴ ProN W3" pitchFamily="-84" charset="-128"/>
-                <a:sym typeface="Gill Sans" pitchFamily="-84" charset="0"/>
-              </a:defRPr>
-            </a:lvl4pPr>
-            <a:lvl5pPr eaLnBrk="0" hangingPunct="0">
-              <a:defRPr sz="4200">
-                <a:solidFill>
-                  <a:srgbClr val="000000"/>
-                </a:solidFill>
-                <a:latin typeface="Gill Sans" pitchFamily="-84" charset="0"/>
-                <a:ea typeface="ヒラギノ角ゴ ProN W3" pitchFamily="-84" charset="-128"/>
-                <a:sym typeface="Gill Sans" pitchFamily="-84" charset="0"/>
-              </a:defRPr>
-            </a:lvl5pPr>
-            <a:lvl6pPr marL="457200" eaLnBrk="0" fontAlgn="base" hangingPunct="0">
+          <p:cNvPr id="2" name="Title 1"/>
+          <p:cNvSpPr>
+            <a:spLocks noGrp="1"/>
+          </p:cNvSpPr>
+          <p:nvPr>
+            <p:ph type="title"/>
+          </p:nvPr>
+        </p:nvSpPr>
+        <p:spPr/>
+        <p:txBody>
+          <a:bodyPr/>
+          <a:lstStyle/>
+          <a:p>
+            <a:pPr>
+              <a:buNone/>
+            </a:pPr>
+            <a:r>
+              <a:rPr lang="en-US" dirty="0" smtClean="0"/>
+              <a:t>HTML 5</a:t>
+            </a:r>
+            <a:endParaRPr lang="en-US" dirty="0"/>
+          </a:p>
+        </p:txBody>
+      </p:sp>
+      <p:sp>
+        <p:nvSpPr>
+          <p:cNvPr id="3" name="Text Placeholder 2"/>
+          <p:cNvSpPr>
+            <a:spLocks noGrp="1"/>
+          </p:cNvSpPr>
+          <p:nvPr>
+            <p:ph type="body" idx="1"/>
+          </p:nvPr>
+        </p:nvSpPr>
+        <p:spPr/>
+        <p:txBody>
+          <a:bodyPr/>
+          <a:lstStyle/>
+          <a:p>
+            <a:pPr marL="452628">
+              <a:defRPr/>
+            </a:pPr>
+            <a:r>
+              <a:rPr lang="en-US" dirty="0"/>
+              <a:t>HTML5 (</a:t>
+            </a:r>
+            <a:r>
+              <a:rPr lang="en-US" dirty="0" err="1"/>
+              <a:t>HyperText</a:t>
+            </a:r>
+            <a:r>
+              <a:rPr lang="en-US" dirty="0"/>
+              <a:t> Markup Language 5) </a:t>
+            </a:r>
+          </a:p>
+          <a:p>
+            <a:pPr marL="621792" lvl="1">
               <a:spcBef>
-                <a:spcPct val="0"/>
+                <a:spcPts val="324"/>
               </a:spcBef>
-              <a:spcAft>
-                <a:spcPct val="0"/>
-              </a:spcAft>
-              <a:defRPr sz="4200">
-                <a:solidFill>
-                  <a:srgbClr val="000000"/>
-                </a:solidFill>
-                <a:latin typeface="Gill Sans" pitchFamily="-84" charset="0"/>
-                <a:ea typeface="ヒラギノ角ゴ ProN W3" pitchFamily="-84" charset="-128"/>
-                <a:sym typeface="Gill Sans" pitchFamily="-84" charset="0"/>
-              </a:defRPr>
-            </a:lvl6pPr>
-            <a:lvl7pPr marL="914400" eaLnBrk="0" fontAlgn="base" hangingPunct="0">
+              <a:defRPr/>
+            </a:pPr>
+            <a:r>
+              <a:rPr lang="en-US" dirty="0"/>
+              <a:t>markup language that specifies the </a:t>
+            </a:r>
+            <a:r>
+              <a:rPr lang="en-US" i="1" dirty="0"/>
+              <a:t>structure</a:t>
+            </a:r>
+            <a:r>
+              <a:rPr lang="en-US" dirty="0"/>
+              <a:t> and </a:t>
+            </a:r>
+            <a:r>
+              <a:rPr lang="en-US" i="1" dirty="0"/>
+              <a:t>content</a:t>
+            </a:r>
+            <a:r>
+              <a:rPr lang="en-US" dirty="0"/>
+              <a:t> of documents that are displayed in web </a:t>
+            </a:r>
+            <a:r>
+              <a:rPr lang="en-US" dirty="0" smtClean="0"/>
+              <a:t>browsers</a:t>
+            </a:r>
+          </a:p>
+          <a:p>
+            <a:pPr marL="621792" lvl="1">
               <a:spcBef>
-                <a:spcPct val="0"/>
+                <a:spcPts val="324"/>
               </a:spcBef>
-              <a:spcAft>
-                <a:spcPct val="0"/>
-              </a:spcAft>
-              <a:defRPr sz="4200">
-                <a:solidFill>
-                  <a:srgbClr val="000000"/>
-                </a:solidFill>
-                <a:latin typeface="Gill Sans" pitchFamily="-84" charset="0"/>
-                <a:ea typeface="ヒラギノ角ゴ ProN W3" pitchFamily="-84" charset="-128"/>
-                <a:sym typeface="Gill Sans" pitchFamily="-84" charset="0"/>
-              </a:defRPr>
-            </a:lvl7pPr>
-            <a:lvl8pPr marL="1371600" eaLnBrk="0" fontAlgn="base" hangingPunct="0">
+              <a:defRPr/>
+            </a:pPr>
+            <a:r>
+              <a:rPr lang="en-US" dirty="0" smtClean="0"/>
+              <a:t>TEXT documents</a:t>
+            </a:r>
+          </a:p>
+          <a:p>
+            <a:pPr marL="621792" lvl="1">
               <a:spcBef>
-                <a:spcPct val="0"/>
+                <a:spcPts val="324"/>
               </a:spcBef>
-              <a:spcAft>
-                <a:spcPct val="0"/>
-              </a:spcAft>
-              <a:defRPr sz="4200">
-                <a:solidFill>
-                  <a:srgbClr val="000000"/>
-                </a:solidFill>
-                <a:latin typeface="Gill Sans" pitchFamily="-84" charset="0"/>
-                <a:ea typeface="ヒラギノ角ゴ ProN W3" pitchFamily="-84" charset="-128"/>
-                <a:sym typeface="Gill Sans" pitchFamily="-84" charset="0"/>
-              </a:defRPr>
-            </a:lvl8pPr>
-            <a:lvl9pPr marL="1828800" eaLnBrk="0" fontAlgn="base" hangingPunct="0">
-              <a:spcBef>
-                <a:spcPct val="0"/>
-              </a:spcBef>
-              <a:spcAft>
-                <a:spcPct val="0"/>
-              </a:spcAft>
-              <a:defRPr sz="4200">
-                <a:solidFill>
-                  <a:srgbClr val="000000"/>
-                </a:solidFill>
-                <a:latin typeface="Gill Sans" pitchFamily="-84" charset="0"/>
-                <a:ea typeface="ヒラギノ角ゴ ProN W3" pitchFamily="-84" charset="-128"/>
-                <a:sym typeface="Gill Sans" pitchFamily="-84" charset="0"/>
-              </a:defRPr>
-            </a:lvl9pPr>
-          </a:lstStyle>
-          <a:p>
-            <a:pPr algn="l" eaLnBrk="1" hangingPunct="1">
-              <a:lnSpc>
-                <a:spcPct val="80000"/>
-              </a:lnSpc>
+              <a:defRPr/>
             </a:pPr>
             <a:r>
-              <a:rPr lang="en-US" altLang="en-US" sz="4078">
-                <a:solidFill>
-                  <a:srgbClr val="464749"/>
-                </a:solidFill>
-                <a:latin typeface="Helvetica" panose="020B0604020202020204" pitchFamily="34" charset="0"/>
-                <a:cs typeface="Helvetica" panose="020B0604020202020204" pitchFamily="34" charset="0"/>
-                <a:sym typeface="Helvetica" panose="020B0604020202020204" pitchFamily="34" charset="0"/>
-              </a:rPr>
-              <a:t>BODY, HEAD &amp; TITLE</a:t>
-            </a:r>
-          </a:p>
-        </p:txBody>
-      </p:sp>
-      <p:sp>
-        <p:nvSpPr>
-          <p:cNvPr id="215043" name="Rectangle 2"/>
-          <p:cNvSpPr>
-            <a:spLocks/>
-          </p:cNvSpPr>
-          <p:nvPr/>
-        </p:nvSpPr>
-        <p:spPr bwMode="auto">
-          <a:xfrm>
-            <a:off x="2059781" y="1785938"/>
-            <a:ext cx="8072438" cy="4286250"/>
-          </a:xfrm>
-          <a:prstGeom prst="rect">
-            <a:avLst/>
-          </a:prstGeom>
-          <a:noFill/>
-          <a:ln>
-            <a:noFill/>
-          </a:ln>
-          <a:extLst>
-            <a:ext uri="{909E8E84-426E-40DD-AFC4-6F175D3DCCD1}">
-              <a14:hiddenFill xmlns:a14="http://schemas.microsoft.com/office/drawing/2010/main">
-                <a:solidFill>
-                  <a:srgbClr val="FFFFFF"/>
-                </a:solidFill>
-              </a14:hiddenFill>
-            </a:ext>
-            <a:ext uri="{91240B29-F687-4F45-9708-019B960494DF}">
-              <a14:hiddenLine xmlns:a14="http://schemas.microsoft.com/office/drawing/2010/main" w="12700">
-                <a:solidFill>
-                  <a:srgbClr val="000000"/>
-                </a:solidFill>
-                <a:miter lim="800000"/>
-                <a:headEnd/>
-                <a:tailEnd/>
-              </a14:hiddenLine>
-            </a:ext>
-          </a:extLst>
-        </p:spPr>
-        <p:txBody>
-          <a:bodyPr lIns="0" tIns="0" rIns="0" bIns="0"/>
-          <a:lstStyle>
-            <a:lvl1pPr eaLnBrk="0" hangingPunct="0">
-              <a:defRPr sz="4200">
-                <a:solidFill>
-                  <a:srgbClr val="000000"/>
-                </a:solidFill>
-                <a:latin typeface="Gill Sans" pitchFamily="-84" charset="0"/>
-                <a:ea typeface="ヒラギノ角ゴ ProN W3" pitchFamily="-84" charset="-128"/>
-                <a:sym typeface="Gill Sans" pitchFamily="-84" charset="0"/>
-              </a:defRPr>
-            </a:lvl1pPr>
-            <a:lvl2pPr marL="37931725" indent="-37474525" eaLnBrk="0" hangingPunct="0">
-              <a:defRPr sz="4200">
-                <a:solidFill>
-                  <a:srgbClr val="000000"/>
-                </a:solidFill>
-                <a:latin typeface="Gill Sans" pitchFamily="-84" charset="0"/>
-                <a:ea typeface="ヒラギノ角ゴ ProN W3" pitchFamily="-84" charset="-128"/>
-                <a:sym typeface="Gill Sans" pitchFamily="-84" charset="0"/>
-              </a:defRPr>
-            </a:lvl2pPr>
-            <a:lvl3pPr eaLnBrk="0" hangingPunct="0">
-              <a:defRPr sz="4200">
-                <a:solidFill>
-                  <a:srgbClr val="000000"/>
-                </a:solidFill>
-                <a:latin typeface="Gill Sans" pitchFamily="-84" charset="0"/>
-                <a:ea typeface="ヒラギノ角ゴ ProN W3" pitchFamily="-84" charset="-128"/>
-                <a:sym typeface="Gill Sans" pitchFamily="-84" charset="0"/>
-              </a:defRPr>
-            </a:lvl3pPr>
-            <a:lvl4pPr eaLnBrk="0" hangingPunct="0">
-              <a:defRPr sz="4200">
-                <a:solidFill>
-                  <a:srgbClr val="000000"/>
-                </a:solidFill>
-                <a:latin typeface="Gill Sans" pitchFamily="-84" charset="0"/>
-                <a:ea typeface="ヒラギノ角ゴ ProN W3" pitchFamily="-84" charset="-128"/>
-                <a:sym typeface="Gill Sans" pitchFamily="-84" charset="0"/>
-              </a:defRPr>
-            </a:lvl4pPr>
-            <a:lvl5pPr eaLnBrk="0" hangingPunct="0">
-              <a:defRPr sz="4200">
-                <a:solidFill>
-                  <a:srgbClr val="000000"/>
-                </a:solidFill>
-                <a:latin typeface="Gill Sans" pitchFamily="-84" charset="0"/>
-                <a:ea typeface="ヒラギノ角ゴ ProN W3" pitchFamily="-84" charset="-128"/>
-                <a:sym typeface="Gill Sans" pitchFamily="-84" charset="0"/>
-              </a:defRPr>
-            </a:lvl5pPr>
-            <a:lvl6pPr marL="457200" eaLnBrk="0" fontAlgn="base" hangingPunct="0">
-              <a:spcBef>
-                <a:spcPct val="0"/>
-              </a:spcBef>
-              <a:spcAft>
-                <a:spcPct val="0"/>
-              </a:spcAft>
-              <a:defRPr sz="4200">
-                <a:solidFill>
-                  <a:srgbClr val="000000"/>
-                </a:solidFill>
-                <a:latin typeface="Gill Sans" pitchFamily="-84" charset="0"/>
-                <a:ea typeface="ヒラギノ角ゴ ProN W3" pitchFamily="-84" charset="-128"/>
-                <a:sym typeface="Gill Sans" pitchFamily="-84" charset="0"/>
-              </a:defRPr>
-            </a:lvl6pPr>
-            <a:lvl7pPr marL="914400" eaLnBrk="0" fontAlgn="base" hangingPunct="0">
-              <a:spcBef>
-                <a:spcPct val="0"/>
-              </a:spcBef>
-              <a:spcAft>
-                <a:spcPct val="0"/>
-              </a:spcAft>
-              <a:defRPr sz="4200">
-                <a:solidFill>
-                  <a:srgbClr val="000000"/>
-                </a:solidFill>
-                <a:latin typeface="Gill Sans" pitchFamily="-84" charset="0"/>
-                <a:ea typeface="ヒラギノ角ゴ ProN W3" pitchFamily="-84" charset="-128"/>
-                <a:sym typeface="Gill Sans" pitchFamily="-84" charset="0"/>
-              </a:defRPr>
-            </a:lvl7pPr>
-            <a:lvl8pPr marL="1371600" eaLnBrk="0" fontAlgn="base" hangingPunct="0">
-              <a:spcBef>
-                <a:spcPct val="0"/>
-              </a:spcBef>
-              <a:spcAft>
-                <a:spcPct val="0"/>
-              </a:spcAft>
-              <a:defRPr sz="4200">
-                <a:solidFill>
-                  <a:srgbClr val="000000"/>
-                </a:solidFill>
-                <a:latin typeface="Gill Sans" pitchFamily="-84" charset="0"/>
-                <a:ea typeface="ヒラギノ角ゴ ProN W3" pitchFamily="-84" charset="-128"/>
-                <a:sym typeface="Gill Sans" pitchFamily="-84" charset="0"/>
-              </a:defRPr>
-            </a:lvl8pPr>
-            <a:lvl9pPr marL="1828800" eaLnBrk="0" fontAlgn="base" hangingPunct="0">
-              <a:spcBef>
-                <a:spcPct val="0"/>
-              </a:spcBef>
-              <a:spcAft>
-                <a:spcPct val="0"/>
-              </a:spcAft>
-              <a:defRPr sz="4200">
-                <a:solidFill>
-                  <a:srgbClr val="000000"/>
-                </a:solidFill>
-                <a:latin typeface="Gill Sans" pitchFamily="-84" charset="0"/>
-                <a:ea typeface="ヒラギノ角ゴ ProN W3" pitchFamily="-84" charset="-128"/>
-                <a:sym typeface="Gill Sans" pitchFamily="-84" charset="0"/>
-              </a:defRPr>
-            </a:lvl9pPr>
-          </a:lstStyle>
-          <a:p>
-            <a:pPr algn="l" eaLnBrk="1" hangingPunct="1"/>
-            <a:r>
-              <a:rPr lang="en-US" altLang="en-US" sz="2531">
-                <a:solidFill>
-                  <a:srgbClr val="0799DE"/>
-                </a:solidFill>
-                <a:latin typeface="Courier" pitchFamily="-84" charset="0"/>
-                <a:sym typeface="Courier" pitchFamily="-84" charset="0"/>
-              </a:rPr>
-              <a:t>&lt;html&gt;</a:t>
-            </a:r>
-          </a:p>
-          <a:p>
-            <a:pPr algn="l" eaLnBrk="1" hangingPunct="1"/>
-            <a:r>
-              <a:rPr lang="en-US" altLang="en-US" sz="2531">
-                <a:solidFill>
-                  <a:srgbClr val="0799DE"/>
-                </a:solidFill>
-                <a:latin typeface="Courier" pitchFamily="-84" charset="0"/>
-                <a:sym typeface="Courier" pitchFamily="-84" charset="0"/>
-              </a:rPr>
-              <a:t> &lt;head&gt;</a:t>
-            </a:r>
-          </a:p>
-          <a:p>
-            <a:pPr algn="l" eaLnBrk="1" hangingPunct="1"/>
-            <a:r>
-              <a:rPr lang="en-US" altLang="en-US" sz="2531">
-                <a:solidFill>
-                  <a:srgbClr val="0799DE"/>
-                </a:solidFill>
-                <a:latin typeface="Courier" pitchFamily="-84" charset="0"/>
-                <a:sym typeface="Courier" pitchFamily="-84" charset="0"/>
-              </a:rPr>
-              <a:t>  &lt;title&gt;</a:t>
-            </a:r>
-            <a:r>
-              <a:rPr lang="en-US" altLang="en-US" sz="2531">
-                <a:solidFill>
-                  <a:srgbClr val="464749"/>
-                </a:solidFill>
-                <a:latin typeface="Courier" pitchFamily="-84" charset="0"/>
-                <a:sym typeface="Courier" pitchFamily="-84" charset="0"/>
-              </a:rPr>
-              <a:t>This is the Title of...</a:t>
-            </a:r>
-            <a:r>
-              <a:rPr lang="en-US" altLang="en-US" sz="2531">
-                <a:solidFill>
-                  <a:srgbClr val="0799DE"/>
-                </a:solidFill>
-                <a:latin typeface="Courier" pitchFamily="-84" charset="0"/>
-                <a:sym typeface="Courier" pitchFamily="-84" charset="0"/>
-              </a:rPr>
-              <a:t>&lt;/title&gt;</a:t>
-            </a:r>
-          </a:p>
-          <a:p>
-            <a:pPr algn="l" eaLnBrk="1" hangingPunct="1"/>
-            <a:r>
-              <a:rPr lang="en-US" altLang="en-US" sz="2531">
-                <a:solidFill>
-                  <a:srgbClr val="0799DE"/>
-                </a:solidFill>
-                <a:latin typeface="Courier" pitchFamily="-84" charset="0"/>
-                <a:sym typeface="Courier" pitchFamily="-84" charset="0"/>
-              </a:rPr>
-              <a:t> &lt;/head&gt;</a:t>
-            </a:r>
-          </a:p>
-          <a:p>
-            <a:pPr algn="l" eaLnBrk="1" hangingPunct="1"/>
-            <a:r>
-              <a:rPr lang="en-US" altLang="en-US" sz="2531">
-                <a:solidFill>
-                  <a:srgbClr val="0799DE"/>
-                </a:solidFill>
-                <a:latin typeface="Courier" pitchFamily="-84" charset="0"/>
-                <a:sym typeface="Courier" pitchFamily="-84" charset="0"/>
-              </a:rPr>
-              <a:t> &lt;body&gt;</a:t>
-            </a:r>
-          </a:p>
-          <a:p>
-            <a:pPr algn="l" eaLnBrk="1" hangingPunct="1"/>
-            <a:r>
-              <a:rPr lang="en-US" altLang="en-US" sz="2531">
-                <a:solidFill>
-                  <a:srgbClr val="0799DE"/>
-                </a:solidFill>
-                <a:latin typeface="Courier" pitchFamily="-84" charset="0"/>
-                <a:sym typeface="Courier" pitchFamily="-84" charset="0"/>
-              </a:rPr>
-              <a:t>  &lt;h1&gt;</a:t>
-            </a:r>
-            <a:r>
-              <a:rPr lang="en-US" altLang="en-US" sz="2531">
-                <a:solidFill>
-                  <a:srgbClr val="464749"/>
-                </a:solidFill>
-                <a:latin typeface="Courier" pitchFamily="-84" charset="0"/>
-                <a:sym typeface="Courier" pitchFamily="-84" charset="0"/>
-              </a:rPr>
-              <a:t>This is the Body of the Page</a:t>
-            </a:r>
-            <a:r>
-              <a:rPr lang="en-US" altLang="en-US" sz="2531">
-                <a:solidFill>
-                  <a:srgbClr val="0799DE"/>
-                </a:solidFill>
-                <a:latin typeface="Courier" pitchFamily="-84" charset="0"/>
-                <a:sym typeface="Courier" pitchFamily="-84" charset="0"/>
-              </a:rPr>
-              <a:t>&lt;/h1&gt;</a:t>
-            </a:r>
-          </a:p>
-          <a:p>
-            <a:pPr algn="l" eaLnBrk="1" hangingPunct="1"/>
-            <a:r>
-              <a:rPr lang="en-US" altLang="en-US" sz="2531">
-                <a:solidFill>
-                  <a:srgbClr val="0799DE"/>
-                </a:solidFill>
-                <a:latin typeface="Courier" pitchFamily="-84" charset="0"/>
-                <a:sym typeface="Courier" pitchFamily="-84" charset="0"/>
-              </a:rPr>
-              <a:t>  &lt;p&gt;</a:t>
-            </a:r>
-            <a:r>
-              <a:rPr lang="en-US" altLang="en-US" sz="2531">
-                <a:solidFill>
-                  <a:srgbClr val="464749"/>
-                </a:solidFill>
-                <a:latin typeface="Courier" pitchFamily="-84" charset="0"/>
-                <a:sym typeface="Courier" pitchFamily="-84" charset="0"/>
-              </a:rPr>
-              <a:t>Anything within the body of a web </a:t>
-            </a:r>
-          </a:p>
-          <a:p>
-            <a:pPr algn="l" eaLnBrk="1" hangingPunct="1"/>
-            <a:r>
-              <a:rPr lang="en-US" altLang="en-US" sz="2531">
-                <a:solidFill>
-                  <a:srgbClr val="464749"/>
-                </a:solidFill>
-                <a:latin typeface="Courier" pitchFamily="-84" charset="0"/>
-                <a:sym typeface="Courier" pitchFamily="-84" charset="0"/>
-              </a:rPr>
-              <a:t>     page is displayed in the main </a:t>
-            </a:r>
-          </a:p>
-          <a:p>
-            <a:pPr algn="l" eaLnBrk="1" hangingPunct="1"/>
-            <a:r>
-              <a:rPr lang="en-US" altLang="en-US" sz="2531">
-                <a:solidFill>
-                  <a:srgbClr val="464749"/>
-                </a:solidFill>
-                <a:latin typeface="Courier" pitchFamily="-84" charset="0"/>
-                <a:sym typeface="Courier" pitchFamily="-84" charset="0"/>
-              </a:rPr>
-              <a:t>     browser window.</a:t>
-            </a:r>
-            <a:r>
-              <a:rPr lang="en-US" altLang="en-US" sz="2531">
-                <a:solidFill>
-                  <a:srgbClr val="0799DE"/>
-                </a:solidFill>
-                <a:latin typeface="Courier" pitchFamily="-84" charset="0"/>
-                <a:sym typeface="Courier" pitchFamily="-84" charset="0"/>
-              </a:rPr>
-              <a:t>&lt;/p&gt;</a:t>
-            </a:r>
-          </a:p>
-          <a:p>
-            <a:pPr algn="l" eaLnBrk="1" hangingPunct="1"/>
-            <a:r>
-              <a:rPr lang="en-US" altLang="en-US" sz="2531">
-                <a:solidFill>
-                  <a:srgbClr val="0799DE"/>
-                </a:solidFill>
-                <a:latin typeface="Courier" pitchFamily="-84" charset="0"/>
-                <a:sym typeface="Courier" pitchFamily="-84" charset="0"/>
-              </a:rPr>
-              <a:t> &lt;/body&gt;</a:t>
-            </a:r>
-          </a:p>
-          <a:p>
-            <a:pPr algn="l" eaLnBrk="1" hangingPunct="1"/>
-            <a:r>
-              <a:rPr lang="en-US" altLang="en-US" sz="2531">
-                <a:solidFill>
-                  <a:srgbClr val="0799DE"/>
-                </a:solidFill>
-                <a:latin typeface="Courier" pitchFamily="-84" charset="0"/>
-                <a:sym typeface="Courier" pitchFamily="-84" charset="0"/>
-              </a:rPr>
-              <a:t>&lt;/html&gt;</a:t>
-            </a:r>
+              <a:rPr lang="en-US" dirty="0" smtClean="0"/>
+              <a:t>*Tag based*    Extra whitespace and newlines do not matter. </a:t>
+            </a:r>
+            <a:endParaRPr lang="en-US" dirty="0"/>
+          </a:p>
+          <a:p>
+            <a:pPr marL="0" indent="0">
+              <a:buNone/>
+            </a:pPr>
+            <a:endParaRPr lang="en-US" dirty="0" smtClean="0"/>
           </a:p>
         </p:txBody>
       </p:sp>
     </p:spTree>
     <p:extLst>
       <p:ext uri="{BB962C8B-B14F-4D97-AF65-F5344CB8AC3E}">
-        <p14:creationId xmlns:p14="http://schemas.microsoft.com/office/powerpoint/2010/main" val="2713752109"/>
+        <p14:creationId xmlns:p14="http://schemas.microsoft.com/office/powerpoint/2010/main" val="2889471319"/>
       </p:ext>
     </p:extLst>
   </p:cSld>
   <p:clrMapOvr>
     <a:masterClrMapping/>
   </p:clrMapOvr>
-  <p:transition spd="med">
-    <p:fade/>
-  </p:transition>
   <p:timing>
     <p:tnLst>
       <p:par>
@@ -7340,7 +6905,7 @@
       </p:grpSpPr>
       <p:sp>
         <p:nvSpPr>
-          <p:cNvPr id="217090" name="Rectangle 1"/>
+          <p:cNvPr id="215042" name="Rectangle 1"/>
           <p:cNvSpPr>
             <a:spLocks/>
           </p:cNvSpPr>
@@ -7518,7 +7083,7 @@
       </p:sp>
       <p:sp>
         <p:nvSpPr>
-          <p:cNvPr id="217091" name="Rectangle 2"/>
+          <p:cNvPr id="215043" name="Rectangle 2"/>
           <p:cNvSpPr>
             <a:spLocks/>
           </p:cNvSpPr>
@@ -7679,7 +7244,7 @@
             <a:r>
               <a:rPr lang="en-US" altLang="en-US" sz="2531">
                 <a:solidFill>
-                  <a:srgbClr val="949699"/>
+                  <a:srgbClr val="0799DE"/>
                 </a:solidFill>
                 <a:latin typeface="Courier" pitchFamily="-84" charset="0"/>
                 <a:sym typeface="Courier" pitchFamily="-84" charset="0"/>
@@ -7692,7 +7257,7 @@
             <a:r>
               <a:rPr lang="en-US" altLang="en-US" sz="2531">
                 <a:solidFill>
-                  <a:srgbClr val="949699"/>
+                  <a:srgbClr val="0799DE"/>
                 </a:solidFill>
                 <a:latin typeface="Courier" pitchFamily="-84" charset="0"/>
                 <a:sym typeface="Courier" pitchFamily="-84" charset="0"/>
@@ -7705,22 +7270,12 @@
             <a:r>
               <a:rPr lang="en-US" altLang="en-US" sz="2531">
                 <a:solidFill>
-                  <a:srgbClr val="949699"/>
+                  <a:srgbClr val="0799DE"/>
                 </a:solidFill>
                 <a:latin typeface="Courier" pitchFamily="-84" charset="0"/>
                 <a:sym typeface="Courier" pitchFamily="-84" charset="0"/>
               </a:rPr>
-              <a:t>  </a:t>
-            </a:r>
-            <a:r>
-              <a:rPr lang="en-US" altLang="en-US" sz="2531">
-                <a:solidFill>
-                  <a:srgbClr val="0799DE"/>
-                </a:solidFill>
-                <a:latin typeface="Courier" pitchFamily="-84" charset="0"/>
-                <a:sym typeface="Courier" pitchFamily="-84" charset="0"/>
-              </a:rPr>
-              <a:t>&lt;title&gt;</a:t>
+              <a:t>  &lt;title&gt;</a:t>
             </a:r>
             <a:r>
               <a:rPr lang="en-US" altLang="en-US" sz="2531">
@@ -7742,20 +7297,13 @@
               </a:rPr>
               <a:t>&lt;/title&gt;</a:t>
             </a:r>
-            <a:endParaRPr lang="en-US" altLang="en-US" sz="2531">
-              <a:solidFill>
-                <a:srgbClr val="949699"/>
-              </a:solidFill>
-              <a:latin typeface="Courier" pitchFamily="-84" charset="0"/>
-              <a:sym typeface="Courier" pitchFamily="-84" charset="0"/>
-            </a:endParaRPr>
           </a:p>
           <a:p>
             <a:pPr algn="l" eaLnBrk="1" hangingPunct="1"/>
             <a:r>
               <a:rPr lang="en-US" altLang="en-US" sz="2531">
                 <a:solidFill>
-                  <a:srgbClr val="949699"/>
+                  <a:srgbClr val="0799DE"/>
                 </a:solidFill>
                 <a:latin typeface="Courier" pitchFamily="-84" charset="0"/>
                 <a:sym typeface="Courier" pitchFamily="-84" charset="0"/>
@@ -7768,7 +7316,7 @@
             <a:r>
               <a:rPr lang="en-US" altLang="en-US" sz="2531">
                 <a:solidFill>
-                  <a:srgbClr val="949699"/>
+                  <a:srgbClr val="0799DE"/>
                 </a:solidFill>
                 <a:latin typeface="Courier" pitchFamily="-84" charset="0"/>
                 <a:sym typeface="Courier" pitchFamily="-84" charset="0"/>
@@ -7781,25 +7329,32 @@
             <a:r>
               <a:rPr lang="en-US" altLang="en-US" sz="2531">
                 <a:solidFill>
-                  <a:srgbClr val="949699"/>
+                  <a:srgbClr val="0799DE"/>
                 </a:solidFill>
                 <a:latin typeface="Courier" pitchFamily="-84" charset="0"/>
                 <a:sym typeface="Courier" pitchFamily="-84" charset="0"/>
               </a:rPr>
-              <a:t>  &lt;h1&gt;This is the Body of the Page&lt;/h1&gt;</a:t>
-            </a:r>
-          </a:p>
-          <a:p>
-            <a:pPr algn="l" eaLnBrk="1" hangingPunct="1"/>
+              <a:t>  &lt;h1&gt;</a:t>
+            </a:r>
             <a:r>
               <a:rPr lang="en-US" altLang="en-US" sz="2531">
                 <a:solidFill>
-                  <a:srgbClr val="949699"/>
+                  <a:srgbClr val="464749"/>
                 </a:solidFill>
                 <a:latin typeface="Courier" pitchFamily="-84" charset="0"/>
                 <a:sym typeface="Courier" pitchFamily="-84" charset="0"/>
               </a:rPr>
-              <a:t>  &lt;p&gt;Anything within the body of a web </a:t>
+              <a:t>This is the Body of the Page</a:t>
+            </a:r>
+            <a:r>
+              <a:rPr lang="en-US" altLang="en-US" sz="2531">
+                <a:solidFill>
+                  <a:srgbClr val="0799DE"/>
+                </a:solidFill>
+                <a:latin typeface="Courier" pitchFamily="-84" charset="0"/>
+                <a:sym typeface="Courier" pitchFamily="-84" charset="0"/>
+              </a:rPr>
+              <a:t>&lt;/h1&gt;</a:t>
             </a:r>
           </a:p>
           <a:p>
@@ -7807,7 +7362,30 @@
             <a:r>
               <a:rPr lang="en-US" altLang="en-US" sz="2531">
                 <a:solidFill>
-                  <a:srgbClr val="949699"/>
+                  <a:srgbClr val="0799DE"/>
+                </a:solidFill>
+                <a:latin typeface="Courier" pitchFamily="-84" charset="0"/>
+                <a:sym typeface="Courier" pitchFamily="-84" charset="0"/>
+              </a:rPr>
+              <a:t>  &lt;p&gt;</a:t>
+            </a:r>
+            <a:r>
+              <a:rPr lang="en-US" altLang="en-US" sz="2531">
+                <a:solidFill>
+                  <a:srgbClr val="464749"/>
+                </a:solidFill>
+                <a:latin typeface="Courier" pitchFamily="-84" charset="0"/>
+                <a:sym typeface="Courier" pitchFamily="-84" charset="0"/>
+              </a:rPr>
+              <a:t>Anything within the body of a web </a:t>
+            </a:r>
+          </a:p>
+          <a:p>
+            <a:pPr algn="l" eaLnBrk="1" hangingPunct="1"/>
+            <a:r>
+              <a:rPr lang="en-US" altLang="en-US" sz="2531">
+                <a:solidFill>
+                  <a:srgbClr val="464749"/>
                 </a:solidFill>
                 <a:latin typeface="Courier" pitchFamily="-84" charset="0"/>
                 <a:sym typeface="Courier" pitchFamily="-84" charset="0"/>
@@ -7820,12 +7398,22 @@
             <a:r>
               <a:rPr lang="en-US" altLang="en-US" sz="2531">
                 <a:solidFill>
-                  <a:srgbClr val="949699"/>
+                  <a:srgbClr val="464749"/>
                 </a:solidFill>
                 <a:latin typeface="Courier" pitchFamily="-84" charset="0"/>
                 <a:sym typeface="Courier" pitchFamily="-84" charset="0"/>
               </a:rPr>
-              <a:t>     browser window.&lt;/p&gt;</a:t>
+              <a:t>     browser window.</a:t>
+            </a:r>
+            <a:r>
+              <a:rPr lang="en-US" altLang="en-US" sz="2531">
+                <a:solidFill>
+                  <a:srgbClr val="0799DE"/>
+                </a:solidFill>
+                <a:latin typeface="Courier" pitchFamily="-84" charset="0"/>
+                <a:sym typeface="Courier" pitchFamily="-84" charset="0"/>
+              </a:rPr>
+              <a:t>&lt;/p&gt;</a:t>
             </a:r>
           </a:p>
           <a:p>
@@ -7833,7 +7421,7 @@
             <a:r>
               <a:rPr lang="en-US" altLang="en-US" sz="2531">
                 <a:solidFill>
-                  <a:srgbClr val="949699"/>
+                  <a:srgbClr val="0799DE"/>
                 </a:solidFill>
                 <a:latin typeface="Courier" pitchFamily="-84" charset="0"/>
                 <a:sym typeface="Courier" pitchFamily="-84" charset="0"/>
@@ -7846,7 +7434,7 @@
             <a:r>
               <a:rPr lang="en-US" altLang="en-US" sz="2531">
                 <a:solidFill>
-                  <a:srgbClr val="949699"/>
+                  <a:srgbClr val="0799DE"/>
                 </a:solidFill>
                 <a:latin typeface="Courier" pitchFamily="-84" charset="0"/>
                 <a:sym typeface="Courier" pitchFamily="-84" charset="0"/>
@@ -7859,7 +7447,7 @@
     </p:spTree>
     <p:extLst>
       <p:ext uri="{BB962C8B-B14F-4D97-AF65-F5344CB8AC3E}">
-        <p14:creationId xmlns:p14="http://schemas.microsoft.com/office/powerpoint/2010/main" val="2299348299"/>
+        <p14:creationId xmlns:p14="http://schemas.microsoft.com/office/powerpoint/2010/main" val="2713752109"/>
       </p:ext>
     </p:extLst>
   </p:cSld>
@@ -7898,6 +7486,564 @@
       </p:grpSpPr>
       <p:sp>
         <p:nvSpPr>
+          <p:cNvPr id="217090" name="Rectangle 1"/>
+          <p:cNvSpPr>
+            <a:spLocks/>
+          </p:cNvSpPr>
+          <p:nvPr/>
+        </p:nvSpPr>
+        <p:spPr bwMode="auto">
+          <a:xfrm>
+            <a:off x="1791891" y="267892"/>
+            <a:ext cx="8751094" cy="714375"/>
+          </a:xfrm>
+          <a:prstGeom prst="rect">
+            <a:avLst/>
+          </a:prstGeom>
+          <a:noFill/>
+          <a:ln>
+            <a:noFill/>
+          </a:ln>
+          <a:extLst>
+            <a:ext uri="{909E8E84-426E-40DD-AFC4-6F175D3DCCD1}">
+              <a14:hiddenFill xmlns:a14="http://schemas.microsoft.com/office/drawing/2010/main">
+                <a:solidFill>
+                  <a:srgbClr val="FFFFFF"/>
+                </a:solidFill>
+              </a14:hiddenFill>
+            </a:ext>
+            <a:ext uri="{91240B29-F687-4F45-9708-019B960494DF}">
+              <a14:hiddenLine xmlns:a14="http://schemas.microsoft.com/office/drawing/2010/main" w="12700">
+                <a:solidFill>
+                  <a:srgbClr val="000000"/>
+                </a:solidFill>
+                <a:miter lim="800000"/>
+                <a:headEnd/>
+                <a:tailEnd/>
+              </a14:hiddenLine>
+            </a:ext>
+          </a:extLst>
+        </p:spPr>
+        <p:txBody>
+          <a:bodyPr lIns="0" tIns="0" rIns="0" bIns="0"/>
+          <a:lstStyle>
+            <a:lvl1pPr eaLnBrk="0" hangingPunct="0">
+              <a:defRPr sz="4200">
+                <a:solidFill>
+                  <a:srgbClr val="000000"/>
+                </a:solidFill>
+                <a:latin typeface="Gill Sans" pitchFamily="-84" charset="0"/>
+                <a:ea typeface="ヒラギノ角ゴ ProN W3" pitchFamily="-84" charset="-128"/>
+                <a:sym typeface="Gill Sans" pitchFamily="-84" charset="0"/>
+              </a:defRPr>
+            </a:lvl1pPr>
+            <a:lvl2pPr marL="37931725" indent="-37474525" eaLnBrk="0" hangingPunct="0">
+              <a:defRPr sz="4200">
+                <a:solidFill>
+                  <a:srgbClr val="000000"/>
+                </a:solidFill>
+                <a:latin typeface="Gill Sans" pitchFamily="-84" charset="0"/>
+                <a:ea typeface="ヒラギノ角ゴ ProN W3" pitchFamily="-84" charset="-128"/>
+                <a:sym typeface="Gill Sans" pitchFamily="-84" charset="0"/>
+              </a:defRPr>
+            </a:lvl2pPr>
+            <a:lvl3pPr eaLnBrk="0" hangingPunct="0">
+              <a:defRPr sz="4200">
+                <a:solidFill>
+                  <a:srgbClr val="000000"/>
+                </a:solidFill>
+                <a:latin typeface="Gill Sans" pitchFamily="-84" charset="0"/>
+                <a:ea typeface="ヒラギノ角ゴ ProN W3" pitchFamily="-84" charset="-128"/>
+                <a:sym typeface="Gill Sans" pitchFamily="-84" charset="0"/>
+              </a:defRPr>
+            </a:lvl3pPr>
+            <a:lvl4pPr eaLnBrk="0" hangingPunct="0">
+              <a:defRPr sz="4200">
+                <a:solidFill>
+                  <a:srgbClr val="000000"/>
+                </a:solidFill>
+                <a:latin typeface="Gill Sans" pitchFamily="-84" charset="0"/>
+                <a:ea typeface="ヒラギノ角ゴ ProN W3" pitchFamily="-84" charset="-128"/>
+                <a:sym typeface="Gill Sans" pitchFamily="-84" charset="0"/>
+              </a:defRPr>
+            </a:lvl4pPr>
+            <a:lvl5pPr eaLnBrk="0" hangingPunct="0">
+              <a:defRPr sz="4200">
+                <a:solidFill>
+                  <a:srgbClr val="000000"/>
+                </a:solidFill>
+                <a:latin typeface="Gill Sans" pitchFamily="-84" charset="0"/>
+                <a:ea typeface="ヒラギノ角ゴ ProN W3" pitchFamily="-84" charset="-128"/>
+                <a:sym typeface="Gill Sans" pitchFamily="-84" charset="0"/>
+              </a:defRPr>
+            </a:lvl5pPr>
+            <a:lvl6pPr marL="457200" eaLnBrk="0" fontAlgn="base" hangingPunct="0">
+              <a:spcBef>
+                <a:spcPct val="0"/>
+              </a:spcBef>
+              <a:spcAft>
+                <a:spcPct val="0"/>
+              </a:spcAft>
+              <a:defRPr sz="4200">
+                <a:solidFill>
+                  <a:srgbClr val="000000"/>
+                </a:solidFill>
+                <a:latin typeface="Gill Sans" pitchFamily="-84" charset="0"/>
+                <a:ea typeface="ヒラギノ角ゴ ProN W3" pitchFamily="-84" charset="-128"/>
+                <a:sym typeface="Gill Sans" pitchFamily="-84" charset="0"/>
+              </a:defRPr>
+            </a:lvl6pPr>
+            <a:lvl7pPr marL="914400" eaLnBrk="0" fontAlgn="base" hangingPunct="0">
+              <a:spcBef>
+                <a:spcPct val="0"/>
+              </a:spcBef>
+              <a:spcAft>
+                <a:spcPct val="0"/>
+              </a:spcAft>
+              <a:defRPr sz="4200">
+                <a:solidFill>
+                  <a:srgbClr val="000000"/>
+                </a:solidFill>
+                <a:latin typeface="Gill Sans" pitchFamily="-84" charset="0"/>
+                <a:ea typeface="ヒラギノ角ゴ ProN W3" pitchFamily="-84" charset="-128"/>
+                <a:sym typeface="Gill Sans" pitchFamily="-84" charset="0"/>
+              </a:defRPr>
+            </a:lvl7pPr>
+            <a:lvl8pPr marL="1371600" eaLnBrk="0" fontAlgn="base" hangingPunct="0">
+              <a:spcBef>
+                <a:spcPct val="0"/>
+              </a:spcBef>
+              <a:spcAft>
+                <a:spcPct val="0"/>
+              </a:spcAft>
+              <a:defRPr sz="4200">
+                <a:solidFill>
+                  <a:srgbClr val="000000"/>
+                </a:solidFill>
+                <a:latin typeface="Gill Sans" pitchFamily="-84" charset="0"/>
+                <a:ea typeface="ヒラギノ角ゴ ProN W3" pitchFamily="-84" charset="-128"/>
+                <a:sym typeface="Gill Sans" pitchFamily="-84" charset="0"/>
+              </a:defRPr>
+            </a:lvl8pPr>
+            <a:lvl9pPr marL="1828800" eaLnBrk="0" fontAlgn="base" hangingPunct="0">
+              <a:spcBef>
+                <a:spcPct val="0"/>
+              </a:spcBef>
+              <a:spcAft>
+                <a:spcPct val="0"/>
+              </a:spcAft>
+              <a:defRPr sz="4200">
+                <a:solidFill>
+                  <a:srgbClr val="000000"/>
+                </a:solidFill>
+                <a:latin typeface="Gill Sans" pitchFamily="-84" charset="0"/>
+                <a:ea typeface="ヒラギノ角ゴ ProN W3" pitchFamily="-84" charset="-128"/>
+                <a:sym typeface="Gill Sans" pitchFamily="-84" charset="0"/>
+              </a:defRPr>
+            </a:lvl9pPr>
+          </a:lstStyle>
+          <a:p>
+            <a:pPr algn="l" eaLnBrk="1" hangingPunct="1">
+              <a:lnSpc>
+                <a:spcPct val="80000"/>
+              </a:lnSpc>
+            </a:pPr>
+            <a:r>
+              <a:rPr lang="en-US" altLang="en-US" sz="4078">
+                <a:solidFill>
+                  <a:srgbClr val="464749"/>
+                </a:solidFill>
+                <a:latin typeface="Helvetica" panose="020B0604020202020204" pitchFamily="34" charset="0"/>
+                <a:cs typeface="Helvetica" panose="020B0604020202020204" pitchFamily="34" charset="0"/>
+                <a:sym typeface="Helvetica" panose="020B0604020202020204" pitchFamily="34" charset="0"/>
+              </a:rPr>
+              <a:t>BODY, HEAD &amp; TITLE</a:t>
+            </a:r>
+          </a:p>
+        </p:txBody>
+      </p:sp>
+      <p:sp>
+        <p:nvSpPr>
+          <p:cNvPr id="217091" name="Rectangle 2"/>
+          <p:cNvSpPr>
+            <a:spLocks/>
+          </p:cNvSpPr>
+          <p:nvPr/>
+        </p:nvSpPr>
+        <p:spPr bwMode="auto">
+          <a:xfrm>
+            <a:off x="2059781" y="1785938"/>
+            <a:ext cx="8072438" cy="4286250"/>
+          </a:xfrm>
+          <a:prstGeom prst="rect">
+            <a:avLst/>
+          </a:prstGeom>
+          <a:noFill/>
+          <a:ln>
+            <a:noFill/>
+          </a:ln>
+          <a:extLst>
+            <a:ext uri="{909E8E84-426E-40DD-AFC4-6F175D3DCCD1}">
+              <a14:hiddenFill xmlns:a14="http://schemas.microsoft.com/office/drawing/2010/main">
+                <a:solidFill>
+                  <a:srgbClr val="FFFFFF"/>
+                </a:solidFill>
+              </a14:hiddenFill>
+            </a:ext>
+            <a:ext uri="{91240B29-F687-4F45-9708-019B960494DF}">
+              <a14:hiddenLine xmlns:a14="http://schemas.microsoft.com/office/drawing/2010/main" w="12700">
+                <a:solidFill>
+                  <a:srgbClr val="000000"/>
+                </a:solidFill>
+                <a:miter lim="800000"/>
+                <a:headEnd/>
+                <a:tailEnd/>
+              </a14:hiddenLine>
+            </a:ext>
+          </a:extLst>
+        </p:spPr>
+        <p:txBody>
+          <a:bodyPr lIns="0" tIns="0" rIns="0" bIns="0"/>
+          <a:lstStyle>
+            <a:lvl1pPr eaLnBrk="0" hangingPunct="0">
+              <a:defRPr sz="4200">
+                <a:solidFill>
+                  <a:srgbClr val="000000"/>
+                </a:solidFill>
+                <a:latin typeface="Gill Sans" pitchFamily="-84" charset="0"/>
+                <a:ea typeface="ヒラギノ角ゴ ProN W3" pitchFamily="-84" charset="-128"/>
+                <a:sym typeface="Gill Sans" pitchFamily="-84" charset="0"/>
+              </a:defRPr>
+            </a:lvl1pPr>
+            <a:lvl2pPr marL="37931725" indent="-37474525" eaLnBrk="0" hangingPunct="0">
+              <a:defRPr sz="4200">
+                <a:solidFill>
+                  <a:srgbClr val="000000"/>
+                </a:solidFill>
+                <a:latin typeface="Gill Sans" pitchFamily="-84" charset="0"/>
+                <a:ea typeface="ヒラギノ角ゴ ProN W3" pitchFamily="-84" charset="-128"/>
+                <a:sym typeface="Gill Sans" pitchFamily="-84" charset="0"/>
+              </a:defRPr>
+            </a:lvl2pPr>
+            <a:lvl3pPr eaLnBrk="0" hangingPunct="0">
+              <a:defRPr sz="4200">
+                <a:solidFill>
+                  <a:srgbClr val="000000"/>
+                </a:solidFill>
+                <a:latin typeface="Gill Sans" pitchFamily="-84" charset="0"/>
+                <a:ea typeface="ヒラギノ角ゴ ProN W3" pitchFamily="-84" charset="-128"/>
+                <a:sym typeface="Gill Sans" pitchFamily="-84" charset="0"/>
+              </a:defRPr>
+            </a:lvl3pPr>
+            <a:lvl4pPr eaLnBrk="0" hangingPunct="0">
+              <a:defRPr sz="4200">
+                <a:solidFill>
+                  <a:srgbClr val="000000"/>
+                </a:solidFill>
+                <a:latin typeface="Gill Sans" pitchFamily="-84" charset="0"/>
+                <a:ea typeface="ヒラギノ角ゴ ProN W3" pitchFamily="-84" charset="-128"/>
+                <a:sym typeface="Gill Sans" pitchFamily="-84" charset="0"/>
+              </a:defRPr>
+            </a:lvl4pPr>
+            <a:lvl5pPr eaLnBrk="0" hangingPunct="0">
+              <a:defRPr sz="4200">
+                <a:solidFill>
+                  <a:srgbClr val="000000"/>
+                </a:solidFill>
+                <a:latin typeface="Gill Sans" pitchFamily="-84" charset="0"/>
+                <a:ea typeface="ヒラギノ角ゴ ProN W3" pitchFamily="-84" charset="-128"/>
+                <a:sym typeface="Gill Sans" pitchFamily="-84" charset="0"/>
+              </a:defRPr>
+            </a:lvl5pPr>
+            <a:lvl6pPr marL="457200" eaLnBrk="0" fontAlgn="base" hangingPunct="0">
+              <a:spcBef>
+                <a:spcPct val="0"/>
+              </a:spcBef>
+              <a:spcAft>
+                <a:spcPct val="0"/>
+              </a:spcAft>
+              <a:defRPr sz="4200">
+                <a:solidFill>
+                  <a:srgbClr val="000000"/>
+                </a:solidFill>
+                <a:latin typeface="Gill Sans" pitchFamily="-84" charset="0"/>
+                <a:ea typeface="ヒラギノ角ゴ ProN W3" pitchFamily="-84" charset="-128"/>
+                <a:sym typeface="Gill Sans" pitchFamily="-84" charset="0"/>
+              </a:defRPr>
+            </a:lvl6pPr>
+            <a:lvl7pPr marL="914400" eaLnBrk="0" fontAlgn="base" hangingPunct="0">
+              <a:spcBef>
+                <a:spcPct val="0"/>
+              </a:spcBef>
+              <a:spcAft>
+                <a:spcPct val="0"/>
+              </a:spcAft>
+              <a:defRPr sz="4200">
+                <a:solidFill>
+                  <a:srgbClr val="000000"/>
+                </a:solidFill>
+                <a:latin typeface="Gill Sans" pitchFamily="-84" charset="0"/>
+                <a:ea typeface="ヒラギノ角ゴ ProN W3" pitchFamily="-84" charset="-128"/>
+                <a:sym typeface="Gill Sans" pitchFamily="-84" charset="0"/>
+              </a:defRPr>
+            </a:lvl7pPr>
+            <a:lvl8pPr marL="1371600" eaLnBrk="0" fontAlgn="base" hangingPunct="0">
+              <a:spcBef>
+                <a:spcPct val="0"/>
+              </a:spcBef>
+              <a:spcAft>
+                <a:spcPct val="0"/>
+              </a:spcAft>
+              <a:defRPr sz="4200">
+                <a:solidFill>
+                  <a:srgbClr val="000000"/>
+                </a:solidFill>
+                <a:latin typeface="Gill Sans" pitchFamily="-84" charset="0"/>
+                <a:ea typeface="ヒラギノ角ゴ ProN W3" pitchFamily="-84" charset="-128"/>
+                <a:sym typeface="Gill Sans" pitchFamily="-84" charset="0"/>
+              </a:defRPr>
+            </a:lvl8pPr>
+            <a:lvl9pPr marL="1828800" eaLnBrk="0" fontAlgn="base" hangingPunct="0">
+              <a:spcBef>
+                <a:spcPct val="0"/>
+              </a:spcBef>
+              <a:spcAft>
+                <a:spcPct val="0"/>
+              </a:spcAft>
+              <a:defRPr sz="4200">
+                <a:solidFill>
+                  <a:srgbClr val="000000"/>
+                </a:solidFill>
+                <a:latin typeface="Gill Sans" pitchFamily="-84" charset="0"/>
+                <a:ea typeface="ヒラギノ角ゴ ProN W3" pitchFamily="-84" charset="-128"/>
+                <a:sym typeface="Gill Sans" pitchFamily="-84" charset="0"/>
+              </a:defRPr>
+            </a:lvl9pPr>
+          </a:lstStyle>
+          <a:p>
+            <a:pPr algn="l" eaLnBrk="1" hangingPunct="1"/>
+            <a:r>
+              <a:rPr lang="en-US" altLang="en-US" sz="2531">
+                <a:solidFill>
+                  <a:srgbClr val="949699"/>
+                </a:solidFill>
+                <a:latin typeface="Courier" pitchFamily="-84" charset="0"/>
+                <a:sym typeface="Courier" pitchFamily="-84" charset="0"/>
+              </a:rPr>
+              <a:t>&lt;html&gt;</a:t>
+            </a:r>
+          </a:p>
+          <a:p>
+            <a:pPr algn="l" eaLnBrk="1" hangingPunct="1"/>
+            <a:r>
+              <a:rPr lang="en-US" altLang="en-US" sz="2531">
+                <a:solidFill>
+                  <a:srgbClr val="949699"/>
+                </a:solidFill>
+                <a:latin typeface="Courier" pitchFamily="-84" charset="0"/>
+                <a:sym typeface="Courier" pitchFamily="-84" charset="0"/>
+              </a:rPr>
+              <a:t> &lt;head&gt;</a:t>
+            </a:r>
+          </a:p>
+          <a:p>
+            <a:pPr algn="l" eaLnBrk="1" hangingPunct="1"/>
+            <a:r>
+              <a:rPr lang="en-US" altLang="en-US" sz="2531">
+                <a:solidFill>
+                  <a:srgbClr val="949699"/>
+                </a:solidFill>
+                <a:latin typeface="Courier" pitchFamily="-84" charset="0"/>
+                <a:sym typeface="Courier" pitchFamily="-84" charset="0"/>
+              </a:rPr>
+              <a:t>  </a:t>
+            </a:r>
+            <a:r>
+              <a:rPr lang="en-US" altLang="en-US" sz="2531">
+                <a:solidFill>
+                  <a:srgbClr val="0799DE"/>
+                </a:solidFill>
+                <a:latin typeface="Courier" pitchFamily="-84" charset="0"/>
+                <a:sym typeface="Courier" pitchFamily="-84" charset="0"/>
+              </a:rPr>
+              <a:t>&lt;title&gt;</a:t>
+            </a:r>
+            <a:r>
+              <a:rPr lang="en-US" altLang="en-US" sz="2531">
+                <a:solidFill>
+                  <a:srgbClr val="464749"/>
+                </a:solidFill>
+                <a:latin typeface="Courier" pitchFamily="-84" charset="0"/>
+                <a:sym typeface="Courier" pitchFamily="-84" charset="0"/>
+              </a:rPr>
+              <a:t>This is the Title of...</a:t>
+            </a:r>
+            <a:r>
+              <a:rPr lang="en-US" altLang="en-US" sz="2531">
+                <a:solidFill>
+                  <a:srgbClr val="0799DE"/>
+                </a:solidFill>
+                <a:latin typeface="Courier" pitchFamily="-84" charset="0"/>
+                <a:sym typeface="Courier" pitchFamily="-84" charset="0"/>
+              </a:rPr>
+              <a:t>&lt;/title&gt;</a:t>
+            </a:r>
+            <a:endParaRPr lang="en-US" altLang="en-US" sz="2531">
+              <a:solidFill>
+                <a:srgbClr val="949699"/>
+              </a:solidFill>
+              <a:latin typeface="Courier" pitchFamily="-84" charset="0"/>
+              <a:sym typeface="Courier" pitchFamily="-84" charset="0"/>
+            </a:endParaRPr>
+          </a:p>
+          <a:p>
+            <a:pPr algn="l" eaLnBrk="1" hangingPunct="1"/>
+            <a:r>
+              <a:rPr lang="en-US" altLang="en-US" sz="2531">
+                <a:solidFill>
+                  <a:srgbClr val="949699"/>
+                </a:solidFill>
+                <a:latin typeface="Courier" pitchFamily="-84" charset="0"/>
+                <a:sym typeface="Courier" pitchFamily="-84" charset="0"/>
+              </a:rPr>
+              <a:t> &lt;/head&gt;</a:t>
+            </a:r>
+          </a:p>
+          <a:p>
+            <a:pPr algn="l" eaLnBrk="1" hangingPunct="1"/>
+            <a:r>
+              <a:rPr lang="en-US" altLang="en-US" sz="2531">
+                <a:solidFill>
+                  <a:srgbClr val="949699"/>
+                </a:solidFill>
+                <a:latin typeface="Courier" pitchFamily="-84" charset="0"/>
+                <a:sym typeface="Courier" pitchFamily="-84" charset="0"/>
+              </a:rPr>
+              <a:t> &lt;body&gt;</a:t>
+            </a:r>
+          </a:p>
+          <a:p>
+            <a:pPr algn="l" eaLnBrk="1" hangingPunct="1"/>
+            <a:r>
+              <a:rPr lang="en-US" altLang="en-US" sz="2531">
+                <a:solidFill>
+                  <a:srgbClr val="949699"/>
+                </a:solidFill>
+                <a:latin typeface="Courier" pitchFamily="-84" charset="0"/>
+                <a:sym typeface="Courier" pitchFamily="-84" charset="0"/>
+              </a:rPr>
+              <a:t>  &lt;h1&gt;This is the Body of the Page&lt;/h1&gt;</a:t>
+            </a:r>
+          </a:p>
+          <a:p>
+            <a:pPr algn="l" eaLnBrk="1" hangingPunct="1"/>
+            <a:r>
+              <a:rPr lang="en-US" altLang="en-US" sz="2531">
+                <a:solidFill>
+                  <a:srgbClr val="949699"/>
+                </a:solidFill>
+                <a:latin typeface="Courier" pitchFamily="-84" charset="0"/>
+                <a:sym typeface="Courier" pitchFamily="-84" charset="0"/>
+              </a:rPr>
+              <a:t>  &lt;p&gt;Anything within the body of a web </a:t>
+            </a:r>
+          </a:p>
+          <a:p>
+            <a:pPr algn="l" eaLnBrk="1" hangingPunct="1"/>
+            <a:r>
+              <a:rPr lang="en-US" altLang="en-US" sz="2531">
+                <a:solidFill>
+                  <a:srgbClr val="949699"/>
+                </a:solidFill>
+                <a:latin typeface="Courier" pitchFamily="-84" charset="0"/>
+                <a:sym typeface="Courier" pitchFamily="-84" charset="0"/>
+              </a:rPr>
+              <a:t>     page is displayed in the main </a:t>
+            </a:r>
+          </a:p>
+          <a:p>
+            <a:pPr algn="l" eaLnBrk="1" hangingPunct="1"/>
+            <a:r>
+              <a:rPr lang="en-US" altLang="en-US" sz="2531">
+                <a:solidFill>
+                  <a:srgbClr val="949699"/>
+                </a:solidFill>
+                <a:latin typeface="Courier" pitchFamily="-84" charset="0"/>
+                <a:sym typeface="Courier" pitchFamily="-84" charset="0"/>
+              </a:rPr>
+              <a:t>     browser window.&lt;/p&gt;</a:t>
+            </a:r>
+          </a:p>
+          <a:p>
+            <a:pPr algn="l" eaLnBrk="1" hangingPunct="1"/>
+            <a:r>
+              <a:rPr lang="en-US" altLang="en-US" sz="2531">
+                <a:solidFill>
+                  <a:srgbClr val="949699"/>
+                </a:solidFill>
+                <a:latin typeface="Courier" pitchFamily="-84" charset="0"/>
+                <a:sym typeface="Courier" pitchFamily="-84" charset="0"/>
+              </a:rPr>
+              <a:t> &lt;/body&gt;</a:t>
+            </a:r>
+          </a:p>
+          <a:p>
+            <a:pPr algn="l" eaLnBrk="1" hangingPunct="1"/>
+            <a:r>
+              <a:rPr lang="en-US" altLang="en-US" sz="2531">
+                <a:solidFill>
+                  <a:srgbClr val="949699"/>
+                </a:solidFill>
+                <a:latin typeface="Courier" pitchFamily="-84" charset="0"/>
+                <a:sym typeface="Courier" pitchFamily="-84" charset="0"/>
+              </a:rPr>
+              <a:t>&lt;/html&gt;</a:t>
+            </a:r>
+          </a:p>
+        </p:txBody>
+      </p:sp>
+    </p:spTree>
+    <p:extLst>
+      <p:ext uri="{BB962C8B-B14F-4D97-AF65-F5344CB8AC3E}">
+        <p14:creationId xmlns:p14="http://schemas.microsoft.com/office/powerpoint/2010/main" val="2299348299"/>
+      </p:ext>
+    </p:extLst>
+  </p:cSld>
+  <p:clrMapOvr>
+    <a:masterClrMapping/>
+  </p:clrMapOvr>
+  <p:transition spd="med">
+    <p:fade/>
+  </p:transition>
+  <p:timing>
+    <p:tnLst>
+      <p:par>
+        <p:cTn id="1" dur="indefinite" restart="never" nodeType="tmRoot"/>
+      </p:par>
+    </p:tnLst>
+  </p:timing>
+</p:sld>
+</file>
+
+<file path=ppt/slides/slide27.xml><?xml version="1.0" encoding="utf-8"?>
+<p:sld xmlns:a="http://schemas.openxmlformats.org/drawingml/2006/main" xmlns:r="http://schemas.openxmlformats.org/officeDocument/2006/relationships" xmlns:p="http://schemas.openxmlformats.org/presentationml/2006/main">
+  <p:cSld>
+    <p:spTree>
+      <p:nvGrpSpPr>
+        <p:cNvPr id="1" name=""/>
+        <p:cNvGrpSpPr/>
+        <p:nvPr/>
+      </p:nvGrpSpPr>
+      <p:grpSpPr>
+        <a:xfrm>
+          <a:off x="0" y="0"/>
+          <a:ext cx="0" cy="0"/>
+          <a:chOff x="0" y="0"/>
+          <a:chExt cx="0" cy="0"/>
+        </a:xfrm>
+      </p:grpSpPr>
+      <p:sp>
+        <p:nvSpPr>
           <p:cNvPr id="219138" name="Rectangle 1"/>
           <p:cNvSpPr>
             <a:spLocks/>
@@ -8473,7 +8619,7 @@
 </p:sld>
 </file>
 
-<file path=ppt/slides/slide27.xml><?xml version="1.0" encoding="utf-8"?>
+<file path=ppt/slides/slide28.xml><?xml version="1.0" encoding="utf-8"?>
 <p:sld xmlns:a="http://schemas.openxmlformats.org/drawingml/2006/main" xmlns:r="http://schemas.openxmlformats.org/officeDocument/2006/relationships" xmlns:p="http://schemas.openxmlformats.org/presentationml/2006/main">
   <p:cSld>
     <p:spTree>
@@ -9044,7 +9190,7 @@
 </p:sld>
 </file>
 
-<file path=ppt/slides/slide28.xml><?xml version="1.0" encoding="utf-8"?>
+<file path=ppt/slides/slide29.xml><?xml version="1.0" encoding="utf-8"?>
 <p:sld xmlns:a="http://schemas.openxmlformats.org/drawingml/2006/main" xmlns:r="http://schemas.openxmlformats.org/officeDocument/2006/relationships" xmlns:p="http://schemas.openxmlformats.org/presentationml/2006/main">
   <p:cSld>
     <p:spTree>
@@ -9477,97 +9623,6 @@
 </p:sld>
 </file>
 
-<file path=ppt/slides/slide29.xml><?xml version="1.0" encoding="utf-8"?>
-<p:sld xmlns:a="http://schemas.openxmlformats.org/drawingml/2006/main" xmlns:r="http://schemas.openxmlformats.org/officeDocument/2006/relationships" xmlns:p="http://schemas.openxmlformats.org/presentationml/2006/main">
-  <p:cSld>
-    <p:spTree>
-      <p:nvGrpSpPr>
-        <p:cNvPr id="1" name=""/>
-        <p:cNvGrpSpPr/>
-        <p:nvPr/>
-      </p:nvGrpSpPr>
-      <p:grpSpPr>
-        <a:xfrm>
-          <a:off x="0" y="0"/>
-          <a:ext cx="0" cy="0"/>
-          <a:chOff x="0" y="0"/>
-          <a:chExt cx="0" cy="0"/>
-        </a:xfrm>
-      </p:grpSpPr>
-      <p:sp>
-        <p:nvSpPr>
-          <p:cNvPr id="2" name="Title 1"/>
-          <p:cNvSpPr>
-            <a:spLocks noGrp="1"/>
-          </p:cNvSpPr>
-          <p:nvPr>
-            <p:ph type="title"/>
-          </p:nvPr>
-        </p:nvSpPr>
-        <p:spPr/>
-        <p:txBody>
-          <a:bodyPr/>
-          <a:lstStyle/>
-          <a:p>
-            <a:r>
-              <a:rPr lang="en-US" dirty="0" smtClean="0"/>
-              <a:t>Step </a:t>
-            </a:r>
-            <a:r>
-              <a:rPr lang="en-US" dirty="0" smtClean="0"/>
-              <a:t>4: Write your first webpage</a:t>
-            </a:r>
-            <a:endParaRPr lang="en-US" dirty="0"/>
-          </a:p>
-        </p:txBody>
-      </p:sp>
-      <p:sp>
-        <p:nvSpPr>
-          <p:cNvPr id="3" name="Content Placeholder 2"/>
-          <p:cNvSpPr>
-            <a:spLocks noGrp="1"/>
-          </p:cNvSpPr>
-          <p:nvPr>
-            <p:ph idx="1"/>
-          </p:nvPr>
-        </p:nvSpPr>
-        <p:spPr/>
-        <p:txBody>
-          <a:bodyPr>
-            <a:normAutofit/>
-          </a:bodyPr>
-          <a:lstStyle/>
-          <a:p>
-            <a:pPr marL="365760" lvl="1" indent="0">
-              <a:buNone/>
-            </a:pPr>
-            <a:endParaRPr lang="en-US" dirty="0" smtClean="0"/>
-          </a:p>
-          <a:p>
-            <a:pPr marL="365760" lvl="1" indent="0">
-              <a:buNone/>
-            </a:pPr>
-            <a:r>
-              <a:rPr lang="en-US" dirty="0" smtClean="0"/>
-              <a:t>Edit your index.html page and commit the changes. </a:t>
-            </a:r>
-            <a:endParaRPr lang="en-US" dirty="0"/>
-          </a:p>
-        </p:txBody>
-      </p:sp>
-    </p:spTree>
-    <p:extLst>
-      <p:ext uri="{BB962C8B-B14F-4D97-AF65-F5344CB8AC3E}">
-        <p14:creationId xmlns:p14="http://schemas.microsoft.com/office/powerpoint/2010/main" val="2032591434"/>
-      </p:ext>
-    </p:extLst>
-  </p:cSld>
-  <p:clrMapOvr>
-    <a:masterClrMapping/>
-  </p:clrMapOvr>
-</p:sld>
-</file>
-
 <file path=ppt/slides/slide3.xml><?xml version="1.0" encoding="utf-8"?>
 <p:sld xmlns:a="http://schemas.openxmlformats.org/drawingml/2006/main" xmlns:r="http://schemas.openxmlformats.org/officeDocument/2006/relationships" xmlns:p="http://schemas.openxmlformats.org/presentationml/2006/main">
   <p:cSld>
@@ -9800,6 +9855,93 @@
     <p:extLst>
       <p:ext uri="{BB962C8B-B14F-4D97-AF65-F5344CB8AC3E}">
         <p14:creationId xmlns:p14="http://schemas.microsoft.com/office/powerpoint/2010/main" val="2328540063"/>
+      </p:ext>
+    </p:extLst>
+  </p:cSld>
+  <p:clrMapOvr>
+    <a:masterClrMapping/>
+  </p:clrMapOvr>
+</p:sld>
+</file>
+
+<file path=ppt/slides/slide30.xml><?xml version="1.0" encoding="utf-8"?>
+<p:sld xmlns:a="http://schemas.openxmlformats.org/drawingml/2006/main" xmlns:r="http://schemas.openxmlformats.org/officeDocument/2006/relationships" xmlns:p="http://schemas.openxmlformats.org/presentationml/2006/main">
+  <p:cSld>
+    <p:spTree>
+      <p:nvGrpSpPr>
+        <p:cNvPr id="1" name=""/>
+        <p:cNvGrpSpPr/>
+        <p:nvPr/>
+      </p:nvGrpSpPr>
+      <p:grpSpPr>
+        <a:xfrm>
+          <a:off x="0" y="0"/>
+          <a:ext cx="0" cy="0"/>
+          <a:chOff x="0" y="0"/>
+          <a:chExt cx="0" cy="0"/>
+        </a:xfrm>
+      </p:grpSpPr>
+      <p:sp>
+        <p:nvSpPr>
+          <p:cNvPr id="2" name="Title 1"/>
+          <p:cNvSpPr>
+            <a:spLocks noGrp="1"/>
+          </p:cNvSpPr>
+          <p:nvPr>
+            <p:ph type="title"/>
+          </p:nvPr>
+        </p:nvSpPr>
+        <p:spPr/>
+        <p:txBody>
+          <a:bodyPr/>
+          <a:lstStyle/>
+          <a:p>
+            <a:r>
+              <a:rPr lang="en-US" dirty="0" smtClean="0"/>
+              <a:t>Step 4: Write your first webpage</a:t>
+            </a:r>
+            <a:endParaRPr lang="en-US" dirty="0"/>
+          </a:p>
+        </p:txBody>
+      </p:sp>
+      <p:sp>
+        <p:nvSpPr>
+          <p:cNvPr id="3" name="Content Placeholder 2"/>
+          <p:cNvSpPr>
+            <a:spLocks noGrp="1"/>
+          </p:cNvSpPr>
+          <p:nvPr>
+            <p:ph idx="1"/>
+          </p:nvPr>
+        </p:nvSpPr>
+        <p:spPr/>
+        <p:txBody>
+          <a:bodyPr>
+            <a:normAutofit/>
+          </a:bodyPr>
+          <a:lstStyle/>
+          <a:p>
+            <a:pPr marL="365760" lvl="1" indent="0">
+              <a:buNone/>
+            </a:pPr>
+            <a:endParaRPr lang="en-US" dirty="0" smtClean="0"/>
+          </a:p>
+          <a:p>
+            <a:pPr marL="365760" lvl="1" indent="0">
+              <a:buNone/>
+            </a:pPr>
+            <a:r>
+              <a:rPr lang="en-US" dirty="0" smtClean="0"/>
+              <a:t>Edit your index.html page and commit the changes. </a:t>
+            </a:r>
+            <a:endParaRPr lang="en-US" dirty="0"/>
+          </a:p>
+        </p:txBody>
+      </p:sp>
+    </p:spTree>
+    <p:extLst>
+      <p:ext uri="{BB962C8B-B14F-4D97-AF65-F5344CB8AC3E}">
+        <p14:creationId xmlns:p14="http://schemas.microsoft.com/office/powerpoint/2010/main" val="2032591434"/>
       </p:ext>
     </p:extLst>
   </p:cSld>
@@ -10485,9 +10627,18 @@
               <a:t>folder </a:t>
             </a:r>
             <a:r>
-              <a:rPr lang="en-US" dirty="0" smtClean="0"/>
-              <a:t>CSCI125</a:t>
-            </a:r>
+              <a:rPr lang="en-US" b="1" dirty="0" smtClean="0">
+                <a:solidFill>
+                  <a:srgbClr val="FF0000"/>
+                </a:solidFill>
+              </a:rPr>
+              <a:t>CSCI125  </a:t>
+            </a:r>
+            <a:endParaRPr lang="en-US" b="1" dirty="0" smtClean="0">
+              <a:solidFill>
+                <a:srgbClr val="FF0000"/>
+              </a:solidFill>
+            </a:endParaRPr>
           </a:p>
           <a:p>
             <a:pPr lvl="1"/>
@@ -10690,7 +10841,19 @@
           <a:p>
             <a:r>
               <a:rPr lang="en-US" dirty="0" smtClean="0"/>
-              <a:t>Try it  -- Step 1. </a:t>
+              <a:t>Try </a:t>
+            </a:r>
+            <a:r>
+              <a:rPr lang="en-US" dirty="0" smtClean="0"/>
+              <a:t>it </a:t>
+            </a:r>
+            <a:r>
+              <a:rPr lang="en-US" dirty="0" smtClean="0"/>
+              <a:t>if you are comfortable with command line -- </a:t>
+            </a:r>
+            <a:r>
+              <a:rPr lang="en-US" dirty="0" smtClean="0"/>
+              <a:t>Step 1. </a:t>
             </a:r>
             <a:endParaRPr lang="en-US" dirty="0"/>
           </a:p>
@@ -10760,11 +10923,7 @@
             </a:r>
             <a:r>
               <a:rPr lang="en-US" dirty="0" smtClean="0"/>
-              <a:t> project</a:t>
-            </a:r>
-            <a:r>
-              <a:rPr lang="en-US" dirty="0" smtClean="0"/>
-              <a:t>.</a:t>
+              <a:t> project.</a:t>
             </a:r>
           </a:p>
           <a:p>
@@ -10793,7 +10952,6 @@
               <a:rPr lang="en-US" dirty="0" smtClean="0"/>
               <a:t>Now you should see all files are downloaded into homework0.</a:t>
             </a:r>
-            <a:endParaRPr lang="en-US" dirty="0" smtClean="0"/>
           </a:p>
         </p:txBody>
       </p:sp>
@@ -10844,7 +11002,45 @@
                   </a:schemeClr>
                 </a:solidFill>
               </a:rPr>
-              <a:t>git clone https://github.com/intro-comp-science-002/homework0-DummyTester-csc  homework0</a:t>
+              <a:t>git clone https://</a:t>
+            </a:r>
+            <a:r>
+              <a:rPr lang="fr-FR" sz="2400" b="1" dirty="0" smtClean="0">
+                <a:solidFill>
+                  <a:schemeClr val="accent5">
+                    <a:lumMod val="50000"/>
+                  </a:schemeClr>
+                </a:solidFill>
+              </a:rPr>
+              <a:t>github.com/intro-comp-science-003/homework0-</a:t>
+            </a:r>
+            <a:r>
+              <a:rPr lang="fr-FR" sz="2400" b="1" dirty="0" smtClean="0">
+                <a:solidFill>
+                  <a:srgbClr val="FF0000"/>
+                </a:solidFill>
+              </a:rPr>
+              <a:t>USERNAME</a:t>
+            </a:r>
+            <a:r>
+              <a:rPr lang="fr-FR" sz="2400" b="1" dirty="0" smtClean="0">
+                <a:solidFill>
+                  <a:schemeClr val="accent5">
+                    <a:lumMod val="50000"/>
+                  </a:schemeClr>
+                </a:solidFill>
+              </a:rPr>
+              <a:t>  </a:t>
+            </a:r>
+            <a:r>
+              <a:rPr lang="fr-FR" sz="2400" b="1" dirty="0" smtClean="0">
+                <a:solidFill>
+                  <a:schemeClr val="accent5">
+                    <a:lumMod val="50000"/>
+                  </a:schemeClr>
+                </a:solidFill>
+              </a:rPr>
+              <a:t>homework0</a:t>
             </a:r>
             <a:endParaRPr lang="en-US" sz="2400" b="1" dirty="0" smtClean="0">
               <a:solidFill>
